--- a/Hálózatok.pptx
+++ b/Hálózatok.pptx
@@ -111,6 +111,11 @@
       </a:defRPr>
     </a:lvl9pPr>
   </p:defaultTextStyle>
+  <p:extLst>
+    <p:ext uri="{EFAFB233-063F-42B5-8137-9DF3F51BA10A}">
+      <p15:sldGuideLst xmlns:p15="http://schemas.microsoft.com/office/powerpoint/2012/main"/>
+    </p:ext>
+  </p:extLst>
 </p:presentation>
 </file>
 
@@ -450,7 +455,7 @@
             <a:fld id="{5923F103-BC34-4FE4-A40E-EDDEECFDA5D0}" type="datetimeFigureOut">
               <a:rPr lang="en-US" dirty="0"/>
               <a:pPr/>
-              <a:t>9/15/2022</a:t>
+              <a:t>9/19/2022</a:t>
             </a:fld>
             <a:endParaRPr lang="en-US" dirty="0"/>
           </a:p>
@@ -1534,7 +1539,7 @@
           <a:p>
             <a:fld id="{923A1CC3-2375-41D4-9E03-427CAF2A4C1A}" type="datetimeFigureOut">
               <a:rPr lang="en-US" dirty="0"/>
-              <a:t>9/15/2022</a:t>
+              <a:t>9/19/2022</a:t>
             </a:fld>
             <a:endParaRPr lang="en-US" dirty="0"/>
           </a:p>
@@ -2510,7 +2515,7 @@
           <a:p>
             <a:fld id="{AFF16868-8199-4C2C-A5B1-63AEE139F88E}" type="datetimeFigureOut">
               <a:rPr lang="en-US" dirty="0"/>
-              <a:t>9/15/2022</a:t>
+              <a:t>9/19/2022</a:t>
             </a:fld>
             <a:endParaRPr lang="en-US" dirty="0"/>
           </a:p>
@@ -3640,7 +3645,7 @@
           <a:p>
             <a:fld id="{AAD9FF7F-6988-44CC-821B-644E70CD2F73}" type="datetimeFigureOut">
               <a:rPr lang="en-US" dirty="0"/>
-              <a:t>9/15/2022</a:t>
+              <a:t>9/19/2022</a:t>
             </a:fld>
             <a:endParaRPr lang="en-US" dirty="0"/>
           </a:p>
@@ -4669,7 +4674,7 @@
           <a:p>
             <a:fld id="{5C12C299-16B2-4475-990D-751901EACC14}" type="datetimeFigureOut">
               <a:rPr lang="en-US" dirty="0"/>
-              <a:t>9/15/2022</a:t>
+              <a:t>9/19/2022</a:t>
             </a:fld>
             <a:endParaRPr lang="en-US" dirty="0"/>
           </a:p>
@@ -5325,7 +5330,7 @@
           <a:p>
             <a:fld id="{9FE86839-B9D8-4651-8783-F325ECE74E65}" type="datetimeFigureOut">
               <a:rPr lang="en-US" dirty="0"/>
-              <a:t>9/15/2022</a:t>
+              <a:t>9/19/2022</a:t>
             </a:fld>
             <a:endParaRPr lang="en-US" dirty="0"/>
           </a:p>
@@ -6182,7 +6187,7 @@
           <a:p>
             <a:fld id="{FD484F64-32F6-45C5-931F-ADC1662401D0}" type="datetimeFigureOut">
               <a:rPr lang="en-US" dirty="0"/>
-              <a:t>9/15/2022</a:t>
+              <a:t>9/19/2022</a:t>
             </a:fld>
             <a:endParaRPr lang="en-US" dirty="0"/>
           </a:p>
@@ -6368,7 +6373,7 @@
           <a:p>
             <a:fld id="{53086D93-FCAC-47E0-A2EE-787E62CA814C}" type="datetimeFigureOut">
               <a:rPr lang="en-US" dirty="0"/>
-              <a:t>9/15/2022</a:t>
+              <a:t>9/19/2022</a:t>
             </a:fld>
             <a:endParaRPr lang="en-US" dirty="0"/>
           </a:p>
@@ -7336,7 +7341,7 @@
           <a:p>
             <a:fld id="{CDA879A6-0FD0-4734-A311-86BFCA472E6E}" type="datetimeFigureOut">
               <a:rPr lang="en-US" dirty="0"/>
-              <a:t>9/15/2022</a:t>
+              <a:t>9/19/2022</a:t>
             </a:fld>
             <a:endParaRPr lang="en-US" dirty="0"/>
           </a:p>
@@ -7543,7 +7548,7 @@
           <a:p>
             <a:fld id="{19C9CA7B-DFD4-44B5-8C60-D14B8CD1FB59}" type="datetimeFigureOut">
               <a:rPr lang="en-US" dirty="0"/>
-              <a:t>9/15/2022</a:t>
+              <a:t>9/19/2022</a:t>
             </a:fld>
             <a:endParaRPr lang="en-US" dirty="0"/>
           </a:p>
@@ -8573,7 +8578,7 @@
           <a:p>
             <a:fld id="{F34E6425-0181-43F2-84FC-787E803FD2F8}" type="datetimeFigureOut">
               <a:rPr lang="en-US" dirty="0"/>
-              <a:t>9/15/2022</a:t>
+              <a:t>9/19/2022</a:t>
             </a:fld>
             <a:endParaRPr lang="en-US" dirty="0"/>
           </a:p>
@@ -8841,7 +8846,7 @@
           <a:p>
             <a:fld id="{3BDB8791-F1B0-41E7-B7FD-A781E65C4266}" type="datetimeFigureOut">
               <a:rPr lang="en-US" dirty="0"/>
-              <a:t>9/15/2022</a:t>
+              <a:t>9/19/2022</a:t>
             </a:fld>
             <a:endParaRPr lang="en-US" dirty="0"/>
           </a:p>
@@ -9247,7 +9252,7 @@
           <a:p>
             <a:fld id="{5FDD63B2-E120-4ED8-B27B-C685F510A5FE}" type="datetimeFigureOut">
               <a:rPr lang="en-US" dirty="0"/>
-              <a:t>9/15/2022</a:t>
+              <a:t>9/19/2022</a:t>
             </a:fld>
             <a:endParaRPr lang="en-US" dirty="0"/>
           </a:p>
@@ -9370,7 +9375,7 @@
           <a:p>
             <a:fld id="{7AA18ACC-A947-437B-A130-35BD54FDF1E9}" type="datetimeFigureOut">
               <a:rPr lang="en-US" dirty="0"/>
-              <a:t>9/15/2022</a:t>
+              <a:t>9/19/2022</a:t>
             </a:fld>
             <a:endParaRPr lang="en-US" dirty="0"/>
           </a:p>
@@ -9461,7 +9466,7 @@
           <a:p>
             <a:fld id="{7C8D7E02-BCB8-4D50-A234-369438C08659}" type="datetimeFigureOut">
               <a:rPr lang="en-US" dirty="0"/>
-              <a:t>9/15/2022</a:t>
+              <a:t>9/19/2022</a:t>
             </a:fld>
             <a:endParaRPr lang="en-US" dirty="0"/>
           </a:p>
@@ -10538,7 +10543,7 @@
           <a:p>
             <a:fld id="{76E86A4C-8E40-4F87-A4F0-01A0687C5742}" type="datetimeFigureOut">
               <a:rPr lang="en-US" dirty="0"/>
-              <a:t>9/15/2022</a:t>
+              <a:t>9/19/2022</a:t>
             </a:fld>
             <a:endParaRPr lang="en-US" dirty="0"/>
           </a:p>
@@ -11642,7 +11647,7 @@
           <a:p>
             <a:fld id="{35E72C73-2D91-4E12-BA25-F0AA0C03599B}" type="datetimeFigureOut">
               <a:rPr lang="en-US" dirty="0"/>
-              <a:t>9/15/2022</a:t>
+              <a:t>9/19/2022</a:t>
             </a:fld>
             <a:endParaRPr lang="en-US" dirty="0"/>
           </a:p>
@@ -12635,7 +12640,7 @@
           <a:p>
             <a:fld id="{2BE451C3-0FF4-47C4-B829-773ADF60F88C}" type="datetimeFigureOut">
               <a:rPr lang="en-US" dirty="0"/>
-              <a:t>9/15/2022</a:t>
+              <a:t>9/19/2022</a:t>
             </a:fld>
             <a:endParaRPr lang="en-US" dirty="0"/>
           </a:p>
@@ -13234,12 +13239,28 @@
             <p:ph type="subTitle" idx="1"/>
           </p:nvPr>
         </p:nvSpPr>
-        <p:spPr/>
+        <p:spPr>
+          <a:xfrm>
+            <a:off x="3946358" y="3044831"/>
+            <a:ext cx="3296653" cy="696989"/>
+          </a:xfrm>
+        </p:spPr>
         <p:txBody>
           <a:bodyPr/>
           <a:lstStyle/>
           <a:p>
-            <a:endParaRPr lang="hu-HU"/>
+            <a:r>
+              <a:rPr lang="hu-HU" dirty="0" smtClean="0"/>
+              <a:t>Készítette :Terdik </a:t>
+            </a:r>
+            <a:r>
+              <a:rPr lang="hu-HU" dirty="0" err="1" smtClean="0"/>
+              <a:t>zalán</a:t>
+            </a:r>
+            <a:endParaRPr lang="hu-HU" dirty="0" smtClean="0"/>
+          </a:p>
+          <a:p>
+            <a:endParaRPr lang="hu-HU" dirty="0"/>
           </a:p>
         </p:txBody>
       </p:sp>
@@ -13354,10 +13375,7 @@
               <a:rPr lang="en-US" sz="2800" dirty="0"/>
               <a:t> (LAN = local area network) </a:t>
             </a:r>
-            <a:r>
-              <a:rPr lang="hu-HU" sz="2800" dirty="0" smtClean="0"/>
-              <a:t>ű</a:t>
-            </a:r>
+            <a:endParaRPr lang="hu-HU" sz="2800" dirty="0" smtClean="0"/>
           </a:p>
           <a:p>
             <a:r>
@@ -13437,6 +13455,16 @@
   <p:clrMapOvr>
     <a:masterClrMapping/>
   </p:clrMapOvr>
+  <p:transition spd="slow">
+    <p:split orient="vert"/>
+  </p:transition>
+  <p:timing>
+    <p:tnLst>
+      <p:par>
+        <p:cTn id="1" dur="indefinite" restart="never" nodeType="tmRoot"/>
+      </p:par>
+    </p:tnLst>
+  </p:timing>
 </p:sld>
 </file>
 
@@ -13492,8 +13520,8 @@
         </p:nvSpPr>
         <p:spPr>
           <a:xfrm>
-            <a:off x="841918" y="2016650"/>
-            <a:ext cx="9745871" cy="4520508"/>
+            <a:off x="168150" y="2261936"/>
+            <a:ext cx="7135017" cy="4596064"/>
           </a:xfrm>
         </p:spPr>
         <p:txBody>
@@ -13591,6 +13619,30 @@
           </a:p>
         </p:txBody>
       </p:sp>
+      <p:pic>
+        <p:nvPicPr>
+          <p:cNvPr id="4" name="Kép 3"/>
+          <p:cNvPicPr>
+            <a:picLocks noChangeAspect="1"/>
+          </p:cNvPicPr>
+          <p:nvPr/>
+        </p:nvPicPr>
+        <p:blipFill>
+          <a:blip r:embed="rId2"/>
+          <a:stretch>
+            <a:fillRect/>
+          </a:stretch>
+        </p:blipFill>
+        <p:spPr>
+          <a:xfrm>
+            <a:off x="7828832" y="2442410"/>
+            <a:ext cx="3722597" cy="3380874"/>
+          </a:xfrm>
+          <a:prstGeom prst="rect">
+            <a:avLst/>
+          </a:prstGeom>
+        </p:spPr>
+      </p:pic>
     </p:spTree>
     <p:extLst>
       <p:ext uri="{BB962C8B-B14F-4D97-AF65-F5344CB8AC3E}">
@@ -13601,6 +13653,16 @@
   <p:clrMapOvr>
     <a:masterClrMapping/>
   </p:clrMapOvr>
+  <p:transition spd="slow">
+    <p:circle/>
+  </p:transition>
+  <p:timing>
+    <p:tnLst>
+      <p:par>
+        <p:cTn id="1" dur="indefinite" restart="never" nodeType="tmRoot"/>
+      </p:par>
+    </p:tnLst>
+  </p:timing>
 </p:sld>
 </file>
 
@@ -13705,6 +13767,16 @@
   <p:clrMapOvr>
     <a:masterClrMapping/>
   </p:clrMapOvr>
+  <p:transition spd="slow">
+    <p:randomBar dir="vert"/>
+  </p:transition>
+  <p:timing>
+    <p:tnLst>
+      <p:par>
+        <p:cTn id="1" dur="indefinite" restart="never" nodeType="tmRoot"/>
+      </p:par>
+    </p:tnLst>
+  </p:timing>
 </p:sld>
 </file>
 
@@ -13769,7 +13841,6 @@
               <a:rPr lang="hu-HU" dirty="0"/>
               <a:t>) </a:t>
             </a:r>
-            <a:endParaRPr lang="hu-HU" dirty="0"/>
           </a:p>
         </p:txBody>
       </p:sp>
@@ -13785,8 +13856,8 @@
         </p:nvSpPr>
         <p:spPr>
           <a:xfrm>
-            <a:off x="1154954" y="2603500"/>
-            <a:ext cx="9176162" cy="4254500"/>
+            <a:off x="167983" y="2220686"/>
+            <a:ext cx="6523103" cy="4419600"/>
           </a:xfrm>
         </p:spPr>
         <p:txBody>
@@ -13833,10 +13904,50 @@
               <a:rPr lang="hu-HU" sz="2800" dirty="0"/>
               <a:t> 5 km sugarú</a:t>
             </a:r>
-            <a:endParaRPr lang="hu-HU" sz="2800" dirty="0"/>
           </a:p>
         </p:txBody>
       </p:sp>
+      <p:pic>
+        <p:nvPicPr>
+          <p:cNvPr id="1026" name="Picture 2" descr="LAN hálózati megoldások"/>
+          <p:cNvPicPr>
+            <a:picLocks noChangeAspect="1" noChangeArrowheads="1"/>
+          </p:cNvPicPr>
+          <p:nvPr/>
+        </p:nvPicPr>
+        <p:blipFill>
+          <a:blip r:embed="rId2">
+            <a:extLst>
+              <a:ext uri="{28A0092B-C50C-407E-A947-70E740481C1C}">
+                <a14:useLocalDpi xmlns:a14="http://schemas.microsoft.com/office/drawing/2010/main" val="0"/>
+              </a:ext>
+            </a:extLst>
+          </a:blip>
+          <a:srcRect/>
+          <a:stretch>
+            <a:fillRect/>
+          </a:stretch>
+        </p:blipFill>
+        <p:spPr bwMode="auto">
+          <a:xfrm flipH="1">
+            <a:off x="6691086" y="2525486"/>
+            <a:ext cx="4907633" cy="3367314"/>
+          </a:xfrm>
+          <a:prstGeom prst="rect">
+            <a:avLst/>
+          </a:prstGeom>
+          <a:noFill/>
+          <a:extLst>
+            <a:ext uri="{909E8E84-426E-40DD-AFC4-6F175D3DCCD1}">
+              <a14:hiddenFill xmlns:a14="http://schemas.microsoft.com/office/drawing/2010/main">
+                <a:solidFill>
+                  <a:srgbClr val="FFFFFF"/>
+                </a:solidFill>
+              </a14:hiddenFill>
+            </a:ext>
+          </a:extLst>
+        </p:spPr>
+      </p:pic>
     </p:spTree>
     <p:extLst>
       <p:ext uri="{BB962C8B-B14F-4D97-AF65-F5344CB8AC3E}">
@@ -13847,6 +13958,16 @@
   <p:clrMapOvr>
     <a:masterClrMapping/>
   </p:clrMapOvr>
+  <p:transition spd="slow">
+    <p:fade/>
+  </p:transition>
+  <p:timing>
+    <p:tnLst>
+      <p:par>
+        <p:cTn id="1" dur="indefinite" restart="never" nodeType="tmRoot"/>
+      </p:par>
+    </p:tnLst>
+  </p:timing>
 </p:sld>
 </file>
 
@@ -14017,6 +14138,25 @@
   <p:clrMapOvr>
     <a:masterClrMapping/>
   </p:clrMapOvr>
+  <mc:AlternateContent xmlns:mc="http://schemas.openxmlformats.org/markup-compatibility/2006">
+    <mc:Choice xmlns:p15="http://schemas.microsoft.com/office/powerpoint/2012/main" Requires="p15">
+      <p:transition spd="slow">
+        <p15:prstTrans prst="crush"/>
+      </p:transition>
+    </mc:Choice>
+    <mc:Fallback>
+      <p:transition spd="slow">
+        <p:fade/>
+      </p:transition>
+    </mc:Fallback>
+  </mc:AlternateContent>
+  <p:timing>
+    <p:tnLst>
+      <p:par>
+        <p:cTn id="1" dur="indefinite" restart="never" nodeType="tmRoot"/>
+      </p:par>
+    </p:tnLst>
+  </p:timing>
 </p:sld>
 </file>
 
@@ -14108,7 +14248,7 @@
         <p:spPr>
           <a:xfrm>
             <a:off x="176308" y="2447257"/>
-            <a:ext cx="4895225" cy="3777080"/>
+            <a:ext cx="6282549" cy="3910000"/>
           </a:xfrm>
         </p:spPr>
         <p:txBody>
@@ -14150,7 +14290,7 @@
       </p:sp>
       <p:pic>
         <p:nvPicPr>
-          <p:cNvPr id="4" name="Kép 3"/>
+          <p:cNvPr id="5" name="Kép 4"/>
           <p:cNvPicPr>
             <a:picLocks noChangeAspect="1"/>
           </p:cNvPicPr>
@@ -14164,8 +14304,8 @@
         </p:blipFill>
         <p:spPr>
           <a:xfrm>
-            <a:off x="6473144" y="2576945"/>
-            <a:ext cx="4868316" cy="2543695"/>
+            <a:off x="7811342" y="2807607"/>
+            <a:ext cx="3440670" cy="3549650"/>
           </a:xfrm>
           <a:prstGeom prst="rect">
             <a:avLst/>
@@ -14182,6 +14322,25 @@
   <p:clrMapOvr>
     <a:masterClrMapping/>
   </p:clrMapOvr>
+  <mc:AlternateContent xmlns:mc="http://schemas.openxmlformats.org/markup-compatibility/2006">
+    <mc:Choice xmlns:p14="http://schemas.microsoft.com/office/powerpoint/2010/main" Requires="p14">
+      <p:transition spd="slow">
+        <p14:doors dir="vert"/>
+      </p:transition>
+    </mc:Choice>
+    <mc:Fallback>
+      <p:transition spd="slow">
+        <p:fade/>
+      </p:transition>
+    </mc:Fallback>
+  </mc:AlternateContent>
+  <p:timing>
+    <p:tnLst>
+      <p:par>
+        <p:cTn id="1" dur="indefinite" restart="never" nodeType="tmRoot"/>
+      </p:par>
+    </p:tnLst>
+  </p:timing>
 </p:sld>
 </file>
 
@@ -14237,7 +14396,9 @@
         </p:nvSpPr>
         <p:spPr/>
         <p:txBody>
-          <a:bodyPr/>
+          <a:bodyPr>
+            <a:normAutofit fontScale="85000" lnSpcReduction="10000"/>
+          </a:bodyPr>
           <a:lstStyle/>
           <a:p>
             <a:r>
@@ -14249,6 +14410,69 @@
             <a:endParaRPr lang="hu-HU" dirty="0" smtClean="0"/>
           </a:p>
           <a:p>
+            <a:r>
+              <a:rPr lang="hu-HU" dirty="0">
+                <a:hlinkClick r:id="rId3"/>
+              </a:rPr>
+              <a:t>https://</a:t>
+            </a:r>
+            <a:r>
+              <a:rPr lang="hu-HU" dirty="0" smtClean="0">
+                <a:hlinkClick r:id="rId3"/>
+              </a:rPr>
+              <a:t>nagyzsolt.suli.hu/halozatok/</a:t>
+            </a:r>
+            <a:endParaRPr lang="hu-HU" dirty="0"/>
+          </a:p>
+          <a:p>
+            <a:r>
+              <a:rPr lang="hu-HU" dirty="0" smtClean="0">
+                <a:hlinkClick r:id="rId4"/>
+              </a:rPr>
+              <a:t>https</a:t>
+            </a:r>
+            <a:r>
+              <a:rPr lang="hu-HU" dirty="0">
+                <a:hlinkClick r:id="rId4"/>
+              </a:rPr>
+              <a:t>://</a:t>
+            </a:r>
+            <a:r>
+              <a:rPr lang="hu-HU" dirty="0" smtClean="0">
+                <a:hlinkClick r:id="rId4"/>
+              </a:rPr>
+              <a:t>www.nkp.hu/tankonyv/informatika_8/lecke_01_002</a:t>
+            </a:r>
+            <a:endParaRPr lang="hu-HU" dirty="0" smtClean="0"/>
+          </a:p>
+          <a:p>
+            <a:r>
+              <a:rPr lang="hu-HU" dirty="0">
+                <a:hlinkClick r:id="rId5"/>
+              </a:rPr>
+              <a:t>https://</a:t>
+            </a:r>
+            <a:r>
+              <a:rPr lang="hu-HU" dirty="0" smtClean="0">
+                <a:hlinkClick r:id="rId5"/>
+              </a:rPr>
+              <a:t>gloster.hu/megoldasok/halozati-megoldasok/halozati-infrastruktura-megoldasok/lan-halozati-megoldasok</a:t>
+            </a:r>
+            <a:endParaRPr lang="hu-HU" dirty="0" smtClean="0"/>
+          </a:p>
+          <a:p>
+            <a:r>
+              <a:rPr lang="hu-HU" dirty="0"/>
+              <a:t>https://www.google.com/</a:t>
+            </a:r>
+            <a:r>
+              <a:rPr lang="hu-HU" dirty="0" err="1"/>
+              <a:t>imgres?imgurl</a:t>
+            </a:r>
+            <a:r>
+              <a:rPr lang="hu-HU" dirty="0"/>
+              <a:t>=https%3A%2F%2Fsoftgeek.org%2Fwp-content%2Fuploads%2F2022%2F06%2F1654106062_122_Tipi-di-rete-di-computer-cose-LAN-MAN-e-WAN.png&amp;imgrefurl=https%3A%2F%2Fsoftgeek.org%2Fhu%2Fszamitogepes-halozatok-tipusai-mi-a-lan-man-es-wan&amp;tbnid=Efwe1DCCUNNueM&amp;vet=12ahUKEwi8vqeA5aD6AhUFPewKHcIDC2UQMygFegUIARDJAQ..i&amp;docid=42OdS47PV6umTM&amp;w=678&amp;h=700&amp;q=man%20h%C3%A1l%C3%B3zat&amp;ved=2ahUKEwi8vqeA5aD6AhUFPewKHcIDC2UQMygFegUIARDJAQ</a:t>
+            </a:r>
             <a:endParaRPr lang="hu-HU" dirty="0"/>
           </a:p>
         </p:txBody>
@@ -14263,6 +14487,16 @@
   <p:clrMapOvr>
     <a:masterClrMapping/>
   </p:clrMapOvr>
+  <p:transition spd="slow">
+    <p:randomBar dir="vert"/>
+  </p:transition>
+  <p:timing>
+    <p:tnLst>
+      <p:par>
+        <p:cTn id="1" dur="indefinite" restart="never" nodeType="tmRoot"/>
+      </p:par>
+    </p:tnLst>
+  </p:timing>
 </p:sld>
 </file>
 

--- a/Hálózatok.pptx
+++ b/Hálózatok.pptx
@@ -12,7 +12,8 @@
     <p:sldId id="258" r:id="rId6"/>
     <p:sldId id="262" r:id="rId7"/>
     <p:sldId id="263" r:id="rId8"/>
-    <p:sldId id="261" r:id="rId9"/>
+    <p:sldId id="264" r:id="rId9"/>
+    <p:sldId id="261" r:id="rId10"/>
   </p:sldIdLst>
   <p:sldSz cx="12192000" cy="6858000"/>
   <p:notesSz cx="6858000" cy="9144000"/>
@@ -455,7 +456,7 @@
             <a:fld id="{5923F103-BC34-4FE4-A40E-EDDEECFDA5D0}" type="datetimeFigureOut">
               <a:rPr lang="en-US" dirty="0"/>
               <a:pPr/>
-              <a:t>9/19/2022</a:t>
+              <a:t>9/21/2022</a:t>
             </a:fld>
             <a:endParaRPr lang="en-US" dirty="0"/>
           </a:p>
@@ -1539,7 +1540,7 @@
           <a:p>
             <a:fld id="{923A1CC3-2375-41D4-9E03-427CAF2A4C1A}" type="datetimeFigureOut">
               <a:rPr lang="en-US" dirty="0"/>
-              <a:t>9/19/2022</a:t>
+              <a:t>9/21/2022</a:t>
             </a:fld>
             <a:endParaRPr lang="en-US" dirty="0"/>
           </a:p>
@@ -2515,7 +2516,7 @@
           <a:p>
             <a:fld id="{AFF16868-8199-4C2C-A5B1-63AEE139F88E}" type="datetimeFigureOut">
               <a:rPr lang="en-US" dirty="0"/>
-              <a:t>9/19/2022</a:t>
+              <a:t>9/21/2022</a:t>
             </a:fld>
             <a:endParaRPr lang="en-US" dirty="0"/>
           </a:p>
@@ -3645,7 +3646,7 @@
           <a:p>
             <a:fld id="{AAD9FF7F-6988-44CC-821B-644E70CD2F73}" type="datetimeFigureOut">
               <a:rPr lang="en-US" dirty="0"/>
-              <a:t>9/19/2022</a:t>
+              <a:t>9/21/2022</a:t>
             </a:fld>
             <a:endParaRPr lang="en-US" dirty="0"/>
           </a:p>
@@ -4674,7 +4675,7 @@
           <a:p>
             <a:fld id="{5C12C299-16B2-4475-990D-751901EACC14}" type="datetimeFigureOut">
               <a:rPr lang="en-US" dirty="0"/>
-              <a:t>9/19/2022</a:t>
+              <a:t>9/21/2022</a:t>
             </a:fld>
             <a:endParaRPr lang="en-US" dirty="0"/>
           </a:p>
@@ -5330,7 +5331,7 @@
           <a:p>
             <a:fld id="{9FE86839-B9D8-4651-8783-F325ECE74E65}" type="datetimeFigureOut">
               <a:rPr lang="en-US" dirty="0"/>
-              <a:t>9/19/2022</a:t>
+              <a:t>9/21/2022</a:t>
             </a:fld>
             <a:endParaRPr lang="en-US" dirty="0"/>
           </a:p>
@@ -6187,7 +6188,7 @@
           <a:p>
             <a:fld id="{FD484F64-32F6-45C5-931F-ADC1662401D0}" type="datetimeFigureOut">
               <a:rPr lang="en-US" dirty="0"/>
-              <a:t>9/19/2022</a:t>
+              <a:t>9/21/2022</a:t>
             </a:fld>
             <a:endParaRPr lang="en-US" dirty="0"/>
           </a:p>
@@ -6373,7 +6374,7 @@
           <a:p>
             <a:fld id="{53086D93-FCAC-47E0-A2EE-787E62CA814C}" type="datetimeFigureOut">
               <a:rPr lang="en-US" dirty="0"/>
-              <a:t>9/19/2022</a:t>
+              <a:t>9/21/2022</a:t>
             </a:fld>
             <a:endParaRPr lang="en-US" dirty="0"/>
           </a:p>
@@ -7341,7 +7342,7 @@
           <a:p>
             <a:fld id="{CDA879A6-0FD0-4734-A311-86BFCA472E6E}" type="datetimeFigureOut">
               <a:rPr lang="en-US" dirty="0"/>
-              <a:t>9/19/2022</a:t>
+              <a:t>9/21/2022</a:t>
             </a:fld>
             <a:endParaRPr lang="en-US" dirty="0"/>
           </a:p>
@@ -7548,7 +7549,7 @@
           <a:p>
             <a:fld id="{19C9CA7B-DFD4-44B5-8C60-D14B8CD1FB59}" type="datetimeFigureOut">
               <a:rPr lang="en-US" dirty="0"/>
-              <a:t>9/19/2022</a:t>
+              <a:t>9/21/2022</a:t>
             </a:fld>
             <a:endParaRPr lang="en-US" dirty="0"/>
           </a:p>
@@ -8578,7 +8579,7 @@
           <a:p>
             <a:fld id="{F34E6425-0181-43F2-84FC-787E803FD2F8}" type="datetimeFigureOut">
               <a:rPr lang="en-US" dirty="0"/>
-              <a:t>9/19/2022</a:t>
+              <a:t>9/21/2022</a:t>
             </a:fld>
             <a:endParaRPr lang="en-US" dirty="0"/>
           </a:p>
@@ -8846,7 +8847,7 @@
           <a:p>
             <a:fld id="{3BDB8791-F1B0-41E7-B7FD-A781E65C4266}" type="datetimeFigureOut">
               <a:rPr lang="en-US" dirty="0"/>
-              <a:t>9/19/2022</a:t>
+              <a:t>9/21/2022</a:t>
             </a:fld>
             <a:endParaRPr lang="en-US" dirty="0"/>
           </a:p>
@@ -9252,7 +9253,7 @@
           <a:p>
             <a:fld id="{5FDD63B2-E120-4ED8-B27B-C685F510A5FE}" type="datetimeFigureOut">
               <a:rPr lang="en-US" dirty="0"/>
-              <a:t>9/19/2022</a:t>
+              <a:t>9/21/2022</a:t>
             </a:fld>
             <a:endParaRPr lang="en-US" dirty="0"/>
           </a:p>
@@ -9375,7 +9376,7 @@
           <a:p>
             <a:fld id="{7AA18ACC-A947-437B-A130-35BD54FDF1E9}" type="datetimeFigureOut">
               <a:rPr lang="en-US" dirty="0"/>
-              <a:t>9/19/2022</a:t>
+              <a:t>9/21/2022</a:t>
             </a:fld>
             <a:endParaRPr lang="en-US" dirty="0"/>
           </a:p>
@@ -9466,7 +9467,7 @@
           <a:p>
             <a:fld id="{7C8D7E02-BCB8-4D50-A234-369438C08659}" type="datetimeFigureOut">
               <a:rPr lang="en-US" dirty="0"/>
-              <a:t>9/19/2022</a:t>
+              <a:t>9/21/2022</a:t>
             </a:fld>
             <a:endParaRPr lang="en-US" dirty="0"/>
           </a:p>
@@ -10543,7 +10544,7 @@
           <a:p>
             <a:fld id="{76E86A4C-8E40-4F87-A4F0-01A0687C5742}" type="datetimeFigureOut">
               <a:rPr lang="en-US" dirty="0"/>
-              <a:t>9/19/2022</a:t>
+              <a:t>9/21/2022</a:t>
             </a:fld>
             <a:endParaRPr lang="en-US" dirty="0"/>
           </a:p>
@@ -11647,7 +11648,7 @@
           <a:p>
             <a:fld id="{35E72C73-2D91-4E12-BA25-F0AA0C03599B}" type="datetimeFigureOut">
               <a:rPr lang="en-US" dirty="0"/>
-              <a:t>9/19/2022</a:t>
+              <a:t>9/21/2022</a:t>
             </a:fld>
             <a:endParaRPr lang="en-US" dirty="0"/>
           </a:p>
@@ -12640,7 +12641,7 @@
           <a:p>
             <a:fld id="{2BE451C3-0FF4-47C4-B829-773ADF60F88C}" type="datetimeFigureOut">
               <a:rPr lang="en-US" dirty="0"/>
-              <a:t>9/19/2022</a:t>
+              <a:t>9/21/2022</a:t>
             </a:fld>
             <a:endParaRPr lang="en-US" dirty="0"/>
           </a:p>
@@ -13443,6 +13444,37 @@
             </a:r>
             <a:endParaRPr lang="hu-HU" sz="2800" dirty="0" smtClean="0"/>
           </a:p>
+          <a:p>
+            <a:r>
+              <a:rPr lang="hu-HU" sz="2800" dirty="0"/>
+              <a:t>Személyi </a:t>
+            </a:r>
+            <a:r>
+              <a:rPr lang="hu-HU" sz="2800" dirty="0" err="1"/>
+              <a:t>hálózatPAN</a:t>
+            </a:r>
+            <a:r>
+              <a:rPr lang="hu-HU" sz="2800" dirty="0"/>
+              <a:t> (</a:t>
+            </a:r>
+            <a:r>
+              <a:rPr lang="hu-HU" sz="2800" dirty="0" err="1"/>
+              <a:t>Personal</a:t>
+            </a:r>
+            <a:r>
+              <a:rPr lang="hu-HU" sz="2800" dirty="0"/>
+              <a:t> </a:t>
+            </a:r>
+            <a:r>
+              <a:rPr lang="hu-HU" sz="2800" dirty="0" err="1"/>
+              <a:t>Area</a:t>
+            </a:r>
+            <a:r>
+              <a:rPr lang="hu-HU" sz="2800" dirty="0"/>
+              <a:t> Network)</a:t>
+            </a:r>
+            <a:endParaRPr lang="hu-HU" sz="2800" dirty="0" smtClean="0"/>
+          </a:p>
         </p:txBody>
       </p:sp>
     </p:spTree>
@@ -13856,13 +13888,13 @@
         </p:nvSpPr>
         <p:spPr>
           <a:xfrm>
-            <a:off x="167983" y="2220686"/>
-            <a:ext cx="6523103" cy="4419600"/>
+            <a:off x="167984" y="2220686"/>
+            <a:ext cx="6842416" cy="4637314"/>
           </a:xfrm>
         </p:spPr>
         <p:txBody>
           <a:bodyPr>
-            <a:normAutofit/>
+            <a:normAutofit lnSpcReduction="10000"/>
           </a:bodyPr>
           <a:lstStyle/>
           <a:p>
@@ -13877,16 +13909,6 @@
           </a:p>
           <a:p>
             <a:r>
-              <a:rPr lang="hu-HU" sz="2800" dirty="0"/>
-              <a:t>kiterjedhet egy helyiségre, épületre vagy </a:t>
-            </a:r>
-            <a:r>
-              <a:rPr lang="hu-HU" sz="2800" dirty="0" smtClean="0"/>
-              <a:t>telephelyre</a:t>
-            </a:r>
-          </a:p>
-          <a:p>
-            <a:r>
               <a:rPr lang="hu-HU" sz="2800" dirty="0" smtClean="0"/>
               <a:t>nagyobb </a:t>
             </a:r>
@@ -13902,8 +13924,48 @@
           <a:p>
             <a:r>
               <a:rPr lang="hu-HU" sz="2800" dirty="0"/>
-              <a:t> 5 km sugarú</a:t>
-            </a:r>
+              <a:t> 5 km </a:t>
+            </a:r>
+            <a:r>
+              <a:rPr lang="hu-HU" sz="2800" dirty="0" smtClean="0"/>
+              <a:t>sugarú</a:t>
+            </a:r>
+          </a:p>
+          <a:p>
+            <a:r>
+              <a:rPr lang="hu-HU" sz="2800" dirty="0" smtClean="0"/>
+              <a:t>S</a:t>
+            </a:r>
+            <a:r>
+              <a:rPr lang="en-US" sz="2800" dirty="0" err="1" smtClean="0"/>
+              <a:t>ebességei</a:t>
+            </a:r>
+            <a:r>
+              <a:rPr lang="en-US" sz="2800" dirty="0"/>
+              <a:t>: 10Mbit/s, (Ethernet) 100Mbit/s (</a:t>
+            </a:r>
+            <a:r>
+              <a:rPr lang="en-US" sz="2800" dirty="0" err="1"/>
+              <a:t>FastEthernet</a:t>
+            </a:r>
+            <a:r>
+              <a:rPr lang="en-US" sz="2800" dirty="0"/>
+              <a:t>), 1000Mbit/s (</a:t>
+            </a:r>
+            <a:r>
+              <a:rPr lang="en-US" sz="2800" dirty="0" err="1"/>
+              <a:t>GigabitEthernet</a:t>
+            </a:r>
+            <a:r>
+              <a:rPr lang="en-US" sz="2800" dirty="0"/>
+              <a:t>), 10 000Mbit/s ​</a:t>
+            </a:r>
+          </a:p>
+          <a:p>
+            <a:endParaRPr lang="en-US" sz="2800" dirty="0"/>
+          </a:p>
+          <a:p>
+            <a:endParaRPr lang="hu-HU" sz="2800" dirty="0"/>
           </a:p>
         </p:txBody>
       </p:sp>
@@ -13930,8 +13992,8 @@
         </p:blipFill>
         <p:spPr bwMode="auto">
           <a:xfrm flipH="1">
-            <a:off x="6691086" y="2525486"/>
-            <a:ext cx="4907633" cy="3367314"/>
+            <a:off x="6680508" y="2525486"/>
+            <a:ext cx="4918210" cy="3374571"/>
           </a:xfrm>
           <a:prstGeom prst="rect">
             <a:avLst/>
@@ -14138,13 +14200,13 @@
   <p:clrMapOvr>
     <a:masterClrMapping/>
   </p:clrMapOvr>
-  <mc:AlternateContent xmlns:mc="http://schemas.openxmlformats.org/markup-compatibility/2006">
-    <mc:Choice xmlns:p15="http://schemas.microsoft.com/office/powerpoint/2012/main" Requires="p15">
+  <mc:AlternateContent xmlns:mc="http://schemas.openxmlformats.org/markup-compatibility/2006" xmlns:p15="http://schemas.microsoft.com/office/powerpoint/2012/main">
+    <mc:Choice Requires="p15">
       <p:transition spd="slow">
         <p15:prstTrans prst="crush"/>
       </p:transition>
     </mc:Choice>
-    <mc:Fallback>
+    <mc:Fallback xmlns="">
       <p:transition spd="slow">
         <p:fade/>
       </p:transition>
@@ -14253,7 +14315,7 @@
         </p:spPr>
         <p:txBody>
           <a:bodyPr>
-            <a:normAutofit/>
+            <a:normAutofit fontScale="92500" lnSpcReduction="10000"/>
           </a:bodyPr>
           <a:lstStyle/>
           <a:p>
@@ -14285,6 +14347,14 @@
               <a:rPr lang="hu-HU" sz="2800" dirty="0" smtClean="0"/>
               <a:t> tulajdonában vannak </a:t>
             </a:r>
+            <a:endParaRPr lang="hu-HU" sz="2800" dirty="0" smtClean="0"/>
+          </a:p>
+          <a:p>
+            <a:r>
+              <a:rPr lang="hu-HU" sz="2800" dirty="0"/>
+              <a:t>Egy városi hálózatban a számítógépek egymástól 1-50 km-re lehetnek,</a:t>
+            </a:r>
+            <a:endParaRPr lang="hu-HU" sz="2800" dirty="0" smtClean="0"/>
           </a:p>
         </p:txBody>
       </p:sp>
@@ -14322,13 +14392,13 @@
   <p:clrMapOvr>
     <a:masterClrMapping/>
   </p:clrMapOvr>
-  <mc:AlternateContent xmlns:mc="http://schemas.openxmlformats.org/markup-compatibility/2006">
-    <mc:Choice xmlns:p14="http://schemas.microsoft.com/office/powerpoint/2010/main" Requires="p14">
+  <mc:AlternateContent xmlns:mc="http://schemas.openxmlformats.org/markup-compatibility/2006" xmlns:p14="http://schemas.microsoft.com/office/powerpoint/2010/main">
+    <mc:Choice Requires="p14">
       <p:transition spd="slow">
         <p14:doors dir="vert"/>
       </p:transition>
     </mc:Choice>
-    <mc:Fallback>
+    <mc:Fallback xmlns="">
       <p:transition spd="slow">
         <p:fade/>
       </p:transition>
@@ -14377,8 +14447,24 @@
           <a:lstStyle/>
           <a:p>
             <a:r>
-              <a:rPr lang="hu-HU" dirty="0" smtClean="0"/>
-              <a:t>Források</a:t>
+              <a:rPr lang="hu-HU" dirty="0"/>
+              <a:t>PAN (</a:t>
+            </a:r>
+            <a:r>
+              <a:rPr lang="hu-HU" dirty="0" err="1"/>
+              <a:t>Personal</a:t>
+            </a:r>
+            <a:r>
+              <a:rPr lang="hu-HU" dirty="0"/>
+              <a:t> </a:t>
+            </a:r>
+            <a:r>
+              <a:rPr lang="hu-HU" dirty="0" err="1"/>
+              <a:t>Area</a:t>
+            </a:r>
+            <a:r>
+              <a:rPr lang="hu-HU" dirty="0"/>
+              <a:t> Network)</a:t>
             </a:r>
             <a:endParaRPr lang="hu-HU" dirty="0"/>
           </a:p>
@@ -14394,10 +14480,206 @@
             <p:ph idx="1"/>
           </p:nvPr>
         </p:nvSpPr>
+        <p:spPr>
+          <a:xfrm>
+            <a:off x="522515" y="2538185"/>
+            <a:ext cx="7336971" cy="3840844"/>
+          </a:xfrm>
+        </p:spPr>
+        <p:txBody>
+          <a:bodyPr>
+            <a:normAutofit lnSpcReduction="10000"/>
+          </a:bodyPr>
+          <a:lstStyle/>
+          <a:p>
+            <a:r>
+              <a:rPr lang="hu-HU" sz="2400" dirty="0"/>
+              <a:t> PAN-ok olyan számítógépes hálózatok, amelyek emberekre vannak tervezve</a:t>
+            </a:r>
+            <a:r>
+              <a:rPr lang="hu-HU" sz="2400" dirty="0" smtClean="0"/>
+              <a:t>,</a:t>
+            </a:r>
+          </a:p>
+          <a:p>
+            <a:r>
+              <a:rPr lang="hu-HU" sz="2400" dirty="0"/>
+              <a:t> hálózatban helyet kapott eszközök 10 méteren belül helyezkednek el egymáshoz képest</a:t>
+            </a:r>
+            <a:r>
+              <a:rPr lang="hu-HU" sz="2400" dirty="0" smtClean="0"/>
+              <a:t>.</a:t>
+            </a:r>
+          </a:p>
+          <a:p>
+            <a:r>
+              <a:rPr lang="hu-HU" sz="2400" dirty="0"/>
+              <a:t>s</a:t>
+            </a:r>
+            <a:r>
+              <a:rPr lang="hu-HU" sz="2400" dirty="0" smtClean="0"/>
+              <a:t>zámítógéphez </a:t>
+            </a:r>
+            <a:r>
+              <a:rPr lang="hu-HU" sz="2400" dirty="0"/>
+              <a:t>kapcsolt </a:t>
+            </a:r>
+            <a:r>
+              <a:rPr lang="hu-HU" sz="2400" dirty="0" err="1"/>
+              <a:t>bluetoothos</a:t>
+            </a:r>
+            <a:r>
+              <a:rPr lang="hu-HU" sz="2400" dirty="0"/>
+              <a:t> egér, vagy a telefonhoz kapcsolt </a:t>
+            </a:r>
+            <a:r>
+              <a:rPr lang="hu-HU" sz="2400" dirty="0" err="1"/>
+              <a:t>kihangosító</a:t>
+            </a:r>
+            <a:r>
+              <a:rPr lang="hu-HU" sz="2400" dirty="0"/>
+              <a:t> </a:t>
+            </a:r>
+            <a:r>
+              <a:rPr lang="hu-HU" sz="2400" dirty="0" smtClean="0"/>
+              <a:t>készülék</a:t>
+            </a:r>
+          </a:p>
+          <a:p>
+            <a:r>
+              <a:rPr lang="hu-HU" sz="2400" dirty="0"/>
+              <a:t>Sebessége: </a:t>
+            </a:r>
+            <a:r>
+              <a:rPr lang="hu-HU" sz="2400" dirty="0" smtClean="0"/>
+              <a:t>24Mbit/s </a:t>
+            </a:r>
+            <a:r>
+              <a:rPr lang="en-US" sz="2400" dirty="0" err="1"/>
+              <a:t>bluetooth</a:t>
+            </a:r>
+            <a:r>
+              <a:rPr lang="en-US" sz="2400" dirty="0"/>
+              <a:t> 3.0, 2Mbit/s </a:t>
+            </a:r>
+            <a:r>
+              <a:rPr lang="en-US" sz="2400" dirty="0" err="1"/>
+              <a:t>bluetotth</a:t>
+            </a:r>
+            <a:r>
+              <a:rPr lang="en-US" sz="2400" dirty="0"/>
+              <a:t> 4.0, 5​</a:t>
+            </a:r>
+            <a:endParaRPr lang="hu-HU" sz="2400" dirty="0"/>
+          </a:p>
+        </p:txBody>
+      </p:sp>
+      <p:pic>
+        <p:nvPicPr>
+          <p:cNvPr id="7" name="Kép 6"/>
+          <p:cNvPicPr>
+            <a:picLocks noChangeAspect="1"/>
+          </p:cNvPicPr>
+          <p:nvPr/>
+        </p:nvPicPr>
+        <p:blipFill>
+          <a:blip r:embed="rId2"/>
+          <a:stretch>
+            <a:fillRect/>
+          </a:stretch>
+        </p:blipFill>
+        <p:spPr>
+          <a:xfrm>
+            <a:off x="7667223" y="2538185"/>
+            <a:ext cx="4498287" cy="3666671"/>
+          </a:xfrm>
+          <a:prstGeom prst="rect">
+            <a:avLst/>
+          </a:prstGeom>
+        </p:spPr>
+      </p:pic>
+    </p:spTree>
+    <p:extLst>
+      <p:ext uri="{BB962C8B-B14F-4D97-AF65-F5344CB8AC3E}">
+        <p14:creationId xmlns:p14="http://schemas.microsoft.com/office/powerpoint/2010/main" val="1170834879"/>
+      </p:ext>
+    </p:extLst>
+  </p:cSld>
+  <p:clrMapOvr>
+    <a:masterClrMapping/>
+  </p:clrMapOvr>
+  <p:transition spd="slow">
+    <p:dissolve/>
+  </p:transition>
+  <p:timing>
+    <p:tnLst>
+      <p:par>
+        <p:cTn id="1" dur="indefinite" restart="never" nodeType="tmRoot"/>
+      </p:par>
+    </p:tnLst>
+  </p:timing>
+</p:sld>
+</file>
+
+<file path=ppt/slides/slide9.xml><?xml version="1.0" encoding="utf-8"?>
+<p:sld xmlns:a="http://schemas.openxmlformats.org/drawingml/2006/main" xmlns:r="http://schemas.openxmlformats.org/officeDocument/2006/relationships" xmlns:p="http://schemas.openxmlformats.org/presentationml/2006/main">
+  <p:cSld>
+    <p:spTree>
+      <p:nvGrpSpPr>
+        <p:cNvPr id="1" name=""/>
+        <p:cNvGrpSpPr/>
+        <p:nvPr/>
+      </p:nvGrpSpPr>
+      <p:grpSpPr>
+        <a:xfrm>
+          <a:off x="0" y="0"/>
+          <a:ext cx="0" cy="0"/>
+          <a:chOff x="0" y="0"/>
+          <a:chExt cx="0" cy="0"/>
+        </a:xfrm>
+      </p:grpSpPr>
+      <p:sp>
+        <p:nvSpPr>
+          <p:cNvPr id="2" name="Cím 1"/>
+          <p:cNvSpPr>
+            <a:spLocks noGrp="1"/>
+          </p:cNvSpPr>
+          <p:nvPr>
+            <p:ph type="title"/>
+          </p:nvPr>
+        </p:nvSpPr>
         <p:spPr/>
         <p:txBody>
+          <a:bodyPr/>
+          <a:lstStyle/>
+          <a:p>
+            <a:r>
+              <a:rPr lang="hu-HU" dirty="0" smtClean="0"/>
+              <a:t>Források</a:t>
+            </a:r>
+            <a:endParaRPr lang="hu-HU" dirty="0"/>
+          </a:p>
+        </p:txBody>
+      </p:sp>
+      <p:sp>
+        <p:nvSpPr>
+          <p:cNvPr id="3" name="Tartalom helye 2"/>
+          <p:cNvSpPr>
+            <a:spLocks noGrp="1"/>
+          </p:cNvSpPr>
+          <p:nvPr>
+            <p:ph idx="1"/>
+          </p:nvPr>
+        </p:nvSpPr>
+        <p:spPr>
+          <a:xfrm>
+            <a:off x="1154953" y="2162065"/>
+            <a:ext cx="8761413" cy="4585575"/>
+          </a:xfrm>
+        </p:spPr>
+        <p:txBody>
           <a:bodyPr>
-            <a:normAutofit fontScale="85000" lnSpcReduction="10000"/>
+            <a:normAutofit fontScale="77500" lnSpcReduction="20000"/>
           </a:bodyPr>
           <a:lstStyle/>
           <a:p>
@@ -14471,7 +14753,56 @@
             </a:r>
             <a:r>
               <a:rPr lang="hu-HU" dirty="0"/>
-              <a:t>=https%3A%2F%2Fsoftgeek.org%2Fwp-content%2Fuploads%2F2022%2F06%2F1654106062_122_Tipi-di-rete-di-computer-cose-LAN-MAN-e-WAN.png&amp;imgrefurl=https%3A%2F%2Fsoftgeek.org%2Fhu%2Fszamitogepes-halozatok-tipusai-mi-a-lan-man-es-wan&amp;tbnid=Efwe1DCCUNNueM&amp;vet=12ahUKEwi8vqeA5aD6AhUFPewKHcIDC2UQMygFegUIARDJAQ..i&amp;docid=42OdS47PV6umTM&amp;w=678&amp;h=700&amp;q=man%20h%C3%A1l%C3%B3zat&amp;ved=2ahUKEwi8vqeA5aD6AhUFPewKHcIDC2UQMygFegUIARDJAQ</a:t>
+              <a:t>=https%3A%2F%2Fsoftgeek.org%2Fwp-content%2Fuploads%2F2022%2F06%2F1654106062_122_Tipi-di-rete-di-computer-cose-LAN-MAN-e-WAN.png&amp;imgrefurl=https%3A%2F%2Fsoftgeek.org%2Fhu%2Fszamitogepes-halozatok-tipusai-mi-a-lan-man-es-wan&amp;tbnid=Efwe1DCCUNNueM&amp;vet=12ahUKEwi8vqeA5aD6AhUFPewKHcIDC2UQMygFegUIARDJAQ..</a:t>
+            </a:r>
+            <a:r>
+              <a:rPr lang="hu-HU" dirty="0" smtClean="0"/>
+              <a:t>i&amp;docid=42OdS47PV6umTM&amp;w=678&amp;h=700&amp;q=man%20h%C3%A1l%C3%B3zat&amp;ved=2ahUKEwi8vqeA5aD6AhUFPewKHcIDC2UQMygFegUIARDJAQ</a:t>
+            </a:r>
+          </a:p>
+          <a:p>
+            <a:r>
+              <a:rPr lang="hu-HU" dirty="0"/>
+              <a:t>https://www.google.com/</a:t>
+            </a:r>
+            <a:r>
+              <a:rPr lang="hu-HU" dirty="0" err="1"/>
+              <a:t>imgres?imgurl</a:t>
+            </a:r>
+            <a:r>
+              <a:rPr lang="hu-HU" dirty="0"/>
+              <a:t>=http%3A%2F%2Fmixat.hol.es%2Fdocuments%2Finformatika%2F6%2F6_1%2F6_1_3%2Fpictures%2Fpan_1.jpeg&amp;imgrefurl=http%3A%2F%2Fmixat.hol.es%2Fdocuments%2Finformatika%2F6%2F6_1%2F6_1_3%2F6_1_3.html&amp;tbnid=Hph2IQDd2N2xuM&amp;vet=12ahUKEwjR6ZnknqX6AhWQNOwKHY3ACEwQMygEegUIARDFAQ..</a:t>
+            </a:r>
+            <a:r>
+              <a:rPr lang="hu-HU" dirty="0" smtClean="0"/>
+              <a:t>i&amp;docid=gbStw3llAilWOM&amp;w=238&amp;h=194&amp;itg=1&amp;q=PAN%20h%C3%A1l%C3%B3zat&amp;ved=2ahUKEwjR6ZnknqX6AhWQNOwKHY3ACEwQMygEegUIARDFAQ</a:t>
+            </a:r>
+          </a:p>
+          <a:p>
+            <a:r>
+              <a:rPr lang="hu-HU" dirty="0" smtClean="0">
+                <a:hlinkClick r:id="rId6"/>
+              </a:rPr>
+              <a:t>https</a:t>
+            </a:r>
+            <a:r>
+              <a:rPr lang="hu-HU" dirty="0">
+                <a:hlinkClick r:id="rId6"/>
+              </a:rPr>
+              <a:t>://www.becube.hu/2019/02/16/pan-lan-man-wan-gan</a:t>
+            </a:r>
+            <a:r>
+              <a:rPr lang="hu-HU" dirty="0" smtClean="0">
+                <a:hlinkClick r:id="rId6"/>
+              </a:rPr>
+              <a:t>/</a:t>
+            </a:r>
+            <a:endParaRPr lang="hu-HU" dirty="0" smtClean="0"/>
+          </a:p>
+          <a:p>
+            <a:r>
+              <a:rPr lang="hu-HU" dirty="0" smtClean="0"/>
+              <a:t>Mi  a Hálózat ppt szakmai óráról </a:t>
             </a:r>
             <a:endParaRPr lang="hu-HU" dirty="0"/>
           </a:p>

--- a/Hálózatok.pptx
+++ b/Hálózatok.pptx
@@ -296,7 +296,7 @@
           </a:lstStyle>
           <a:p>
             <a:r>
-              <a:rPr lang="hu-HU" smtClean="0"/>
+              <a:rPr lang="hu-HU"/>
               <a:t>Mintacím szerkesztése</a:t>
             </a:r>
             <a:endParaRPr lang="en-US" dirty="0"/>
@@ -416,7 +416,7 @@
           </a:lstStyle>
           <a:p>
             <a:r>
-              <a:rPr lang="hu-HU" smtClean="0"/>
+              <a:rPr lang="hu-HU"/>
               <a:t>Kattintson ide az alcím mintájának szerkesztéséhez</a:t>
             </a:r>
             <a:endParaRPr lang="en-US" dirty="0"/>
@@ -456,7 +456,7 @@
             <a:fld id="{5923F103-BC34-4FE4-A40E-EDDEECFDA5D0}" type="datetimeFigureOut">
               <a:rPr lang="en-US" dirty="0"/>
               <a:pPr/>
-              <a:t>9/21/2022</a:t>
+              <a:t>9/28/2022</a:t>
             </a:fld>
             <a:endParaRPr lang="en-US" dirty="0"/>
           </a:p>
@@ -1363,7 +1363,7 @@
           </a:lstStyle>
           <a:p>
             <a:r>
-              <a:rPr lang="hu-HU" smtClean="0"/>
+              <a:rPr lang="hu-HU"/>
               <a:t>Mintacím szerkesztése</a:t>
             </a:r>
             <a:endParaRPr lang="en-US" dirty="0"/>
@@ -1442,7 +1442,7 @@
           </a:lstStyle>
           <a:p>
             <a:r>
-              <a:rPr lang="hu-HU" smtClean="0"/>
+              <a:rPr lang="hu-HU"/>
               <a:t>Kép beszúrásához kattintson az ikonra</a:t>
             </a:r>
             <a:endParaRPr lang="en-US" dirty="0"/>
@@ -1517,7 +1517,7 @@
           <a:p>
             <a:pPr lvl="0"/>
             <a:r>
-              <a:rPr lang="hu-HU" smtClean="0"/>
+              <a:rPr lang="hu-HU"/>
               <a:t>Mintaszöveg szerkesztése</a:t>
             </a:r>
           </a:p>
@@ -1540,7 +1540,7 @@
           <a:p>
             <a:fld id="{923A1CC3-2375-41D4-9E03-427CAF2A4C1A}" type="datetimeFigureOut">
               <a:rPr lang="en-US" dirty="0"/>
-              <a:t>9/21/2022</a:t>
+              <a:t>9/28/2022</a:t>
             </a:fld>
             <a:endParaRPr lang="en-US" dirty="0"/>
           </a:p>
@@ -2425,7 +2425,7 @@
           </a:lstStyle>
           <a:p>
             <a:r>
-              <a:rPr lang="hu-HU" smtClean="0"/>
+              <a:rPr lang="hu-HU"/>
               <a:t>Mintacím szerkesztése</a:t>
             </a:r>
             <a:endParaRPr lang="en-US" dirty="0"/>
@@ -2493,7 +2493,7 @@
           <a:p>
             <a:pPr lvl="0"/>
             <a:r>
-              <a:rPr lang="hu-HU" smtClean="0"/>
+              <a:rPr lang="hu-HU"/>
               <a:t>Mintaszöveg szerkesztése</a:t>
             </a:r>
           </a:p>
@@ -2516,7 +2516,7 @@
           <a:p>
             <a:fld id="{AFF16868-8199-4C2C-A5B1-63AEE139F88E}" type="datetimeFigureOut">
               <a:rPr lang="en-US" dirty="0"/>
-              <a:t>9/21/2022</a:t>
+              <a:t>9/28/2022</a:t>
             </a:fld>
             <a:endParaRPr lang="en-US" dirty="0"/>
           </a:p>
@@ -3479,7 +3479,7 @@
           </a:lstStyle>
           <a:p>
             <a:r>
-              <a:rPr lang="hu-HU" smtClean="0"/>
+              <a:rPr lang="hu-HU"/>
               <a:t>Mintacím szerkesztése</a:t>
             </a:r>
             <a:endParaRPr lang="en-US" dirty="0"/>
@@ -3556,7 +3556,7 @@
           <a:p>
             <a:pPr lvl="0"/>
             <a:r>
-              <a:rPr lang="hu-HU" smtClean="0"/>
+              <a:rPr lang="hu-HU"/>
               <a:t>Mintaszöveg szerkesztése</a:t>
             </a:r>
           </a:p>
@@ -3623,7 +3623,7 @@
           <a:p>
             <a:pPr lvl="0"/>
             <a:r>
-              <a:rPr lang="hu-HU" smtClean="0"/>
+              <a:rPr lang="hu-HU"/>
               <a:t>Mintaszöveg szerkesztése</a:t>
             </a:r>
           </a:p>
@@ -3646,7 +3646,7 @@
           <a:p>
             <a:fld id="{AAD9FF7F-6988-44CC-821B-644E70CD2F73}" type="datetimeFigureOut">
               <a:rPr lang="en-US" dirty="0"/>
-              <a:t>9/21/2022</a:t>
+              <a:t>9/28/2022</a:t>
             </a:fld>
             <a:endParaRPr lang="en-US" dirty="0"/>
           </a:p>
@@ -4531,7 +4531,7 @@
           </a:lstStyle>
           <a:p>
             <a:r>
-              <a:rPr lang="hu-HU" smtClean="0"/>
+              <a:rPr lang="hu-HU"/>
               <a:t>Mintacím szerkesztése</a:t>
             </a:r>
             <a:endParaRPr lang="en-US" dirty="0"/>
@@ -4652,7 +4652,7 @@
           <a:p>
             <a:pPr lvl="0"/>
             <a:r>
-              <a:rPr lang="hu-HU" smtClean="0"/>
+              <a:rPr lang="hu-HU"/>
               <a:t>Mintaszöveg szerkesztése</a:t>
             </a:r>
           </a:p>
@@ -4675,7 +4675,7 @@
           <a:p>
             <a:fld id="{5C12C299-16B2-4475-990D-751901EACC14}" type="datetimeFigureOut">
               <a:rPr lang="en-US" dirty="0"/>
-              <a:t>9/21/2022</a:t>
+              <a:t>9/28/2022</a:t>
             </a:fld>
             <a:endParaRPr lang="en-US" dirty="0"/>
           </a:p>
@@ -4810,7 +4810,7 @@
           </a:lstStyle>
           <a:p>
             <a:r>
-              <a:rPr lang="hu-HU" smtClean="0"/>
+              <a:rPr lang="hu-HU"/>
               <a:t>Mintacím szerkesztése</a:t>
             </a:r>
             <a:endParaRPr lang="en-US" dirty="0"/>
@@ -4885,7 +4885,7 @@
           <a:p>
             <a:pPr lvl="0"/>
             <a:r>
-              <a:rPr lang="hu-HU" smtClean="0"/>
+              <a:rPr lang="hu-HU"/>
               <a:t>Mintaszöveg szerkesztése</a:t>
             </a:r>
           </a:p>
@@ -4952,7 +4952,7 @@
           <a:p>
             <a:pPr lvl="0"/>
             <a:r>
-              <a:rPr lang="hu-HU" smtClean="0"/>
+              <a:rPr lang="hu-HU"/>
               <a:t>Mintaszöveg szerkesztése</a:t>
             </a:r>
           </a:p>
@@ -5026,7 +5026,7 @@
           <a:p>
             <a:pPr lvl="0"/>
             <a:r>
-              <a:rPr lang="hu-HU" smtClean="0"/>
+              <a:rPr lang="hu-HU"/>
               <a:t>Mintaszöveg szerkesztése</a:t>
             </a:r>
           </a:p>
@@ -5093,7 +5093,7 @@
           <a:p>
             <a:pPr lvl="0"/>
             <a:r>
-              <a:rPr lang="hu-HU" smtClean="0"/>
+              <a:rPr lang="hu-HU"/>
               <a:t>Mintaszöveg szerkesztése</a:t>
             </a:r>
           </a:p>
@@ -5167,7 +5167,7 @@
           <a:p>
             <a:pPr lvl="0"/>
             <a:r>
-              <a:rPr lang="hu-HU" smtClean="0"/>
+              <a:rPr lang="hu-HU"/>
               <a:t>Mintaszöveg szerkesztése</a:t>
             </a:r>
           </a:p>
@@ -5234,7 +5234,7 @@
           <a:p>
             <a:pPr lvl="0"/>
             <a:r>
-              <a:rPr lang="hu-HU" smtClean="0"/>
+              <a:rPr lang="hu-HU"/>
               <a:t>Mintaszöveg szerkesztése</a:t>
             </a:r>
           </a:p>
@@ -5331,7 +5331,7 @@
           <a:p>
             <a:fld id="{9FE86839-B9D8-4651-8783-F325ECE74E65}" type="datetimeFigureOut">
               <a:rPr lang="en-US" dirty="0"/>
-              <a:t>9/21/2022</a:t>
+              <a:t>9/28/2022</a:t>
             </a:fld>
             <a:endParaRPr lang="en-US" dirty="0"/>
           </a:p>
@@ -5430,7 +5430,7 @@
           </a:lstStyle>
           <a:p>
             <a:r>
-              <a:rPr lang="hu-HU" smtClean="0"/>
+              <a:rPr lang="hu-HU"/>
               <a:t>Mintacím szerkesztése</a:t>
             </a:r>
             <a:endParaRPr lang="en-US" dirty="0"/>
@@ -5505,7 +5505,7 @@
           <a:p>
             <a:pPr lvl="0"/>
             <a:r>
-              <a:rPr lang="hu-HU" smtClean="0"/>
+              <a:rPr lang="hu-HU"/>
               <a:t>Mintaszöveg szerkesztése</a:t>
             </a:r>
           </a:p>
@@ -5583,7 +5583,7 @@
           </a:lstStyle>
           <a:p>
             <a:r>
-              <a:rPr lang="hu-HU" smtClean="0"/>
+              <a:rPr lang="hu-HU"/>
               <a:t>Kép beszúrásához kattintson az ikonra</a:t>
             </a:r>
             <a:endParaRPr lang="en-US" dirty="0"/>
@@ -5651,7 +5651,7 @@
           <a:p>
             <a:pPr lvl="0"/>
             <a:r>
-              <a:rPr lang="hu-HU" smtClean="0"/>
+              <a:rPr lang="hu-HU"/>
               <a:t>Mintaszöveg szerkesztése</a:t>
             </a:r>
           </a:p>
@@ -5725,7 +5725,7 @@
           <a:p>
             <a:pPr lvl="0"/>
             <a:r>
-              <a:rPr lang="hu-HU" smtClean="0"/>
+              <a:rPr lang="hu-HU"/>
               <a:t>Mintaszöveg szerkesztése</a:t>
             </a:r>
           </a:p>
@@ -5803,7 +5803,7 @@
           </a:lstStyle>
           <a:p>
             <a:r>
-              <a:rPr lang="hu-HU" smtClean="0"/>
+              <a:rPr lang="hu-HU"/>
               <a:t>Kép beszúrásához kattintson az ikonra</a:t>
             </a:r>
             <a:endParaRPr lang="en-US" dirty="0"/>
@@ -5871,7 +5871,7 @@
           <a:p>
             <a:pPr lvl="0"/>
             <a:r>
-              <a:rPr lang="hu-HU" smtClean="0"/>
+              <a:rPr lang="hu-HU"/>
               <a:t>Mintaszöveg szerkesztése</a:t>
             </a:r>
           </a:p>
@@ -5945,7 +5945,7 @@
           <a:p>
             <a:pPr lvl="0"/>
             <a:r>
-              <a:rPr lang="hu-HU" smtClean="0"/>
+              <a:rPr lang="hu-HU"/>
               <a:t>Mintaszöveg szerkesztése</a:t>
             </a:r>
           </a:p>
@@ -6023,7 +6023,7 @@
           </a:lstStyle>
           <a:p>
             <a:r>
-              <a:rPr lang="hu-HU" smtClean="0"/>
+              <a:rPr lang="hu-HU"/>
               <a:t>Kép beszúrásához kattintson az ikonra</a:t>
             </a:r>
             <a:endParaRPr lang="en-US" dirty="0"/>
@@ -6091,7 +6091,7 @@
           <a:p>
             <a:pPr lvl="0"/>
             <a:r>
-              <a:rPr lang="hu-HU" smtClean="0"/>
+              <a:rPr lang="hu-HU"/>
               <a:t>Mintaszöveg szerkesztése</a:t>
             </a:r>
           </a:p>
@@ -6188,7 +6188,7 @@
           <a:p>
             <a:fld id="{FD484F64-32F6-45C5-931F-ADC1662401D0}" type="datetimeFigureOut">
               <a:rPr lang="en-US" dirty="0"/>
-              <a:t>9/21/2022</a:t>
+              <a:t>9/28/2022</a:t>
             </a:fld>
             <a:endParaRPr lang="en-US" dirty="0"/>
           </a:p>
@@ -6288,7 +6288,7 @@
           <a:lstStyle/>
           <a:p>
             <a:r>
-              <a:rPr lang="hu-HU" smtClean="0"/>
+              <a:rPr lang="hu-HU"/>
               <a:t>Mintacím szerkesztése</a:t>
             </a:r>
             <a:endParaRPr lang="en-US" dirty="0"/>
@@ -6317,35 +6317,35 @@
           <a:p>
             <a:pPr lvl="0"/>
             <a:r>
-              <a:rPr lang="hu-HU" smtClean="0"/>
+              <a:rPr lang="hu-HU"/>
               <a:t>Mintaszöveg szerkesztése</a:t>
             </a:r>
           </a:p>
           <a:p>
             <a:pPr lvl="1"/>
             <a:r>
-              <a:rPr lang="hu-HU" smtClean="0"/>
+              <a:rPr lang="hu-HU"/>
               <a:t>Második szint</a:t>
             </a:r>
           </a:p>
           <a:p>
             <a:pPr lvl="2"/>
             <a:r>
-              <a:rPr lang="hu-HU" smtClean="0"/>
+              <a:rPr lang="hu-HU"/>
               <a:t>Harmadik szint</a:t>
             </a:r>
           </a:p>
           <a:p>
             <a:pPr lvl="3"/>
             <a:r>
-              <a:rPr lang="hu-HU" smtClean="0"/>
+              <a:rPr lang="hu-HU"/>
               <a:t>Negyedik szint</a:t>
             </a:r>
           </a:p>
           <a:p>
             <a:pPr lvl="4"/>
             <a:r>
-              <a:rPr lang="hu-HU" smtClean="0"/>
+              <a:rPr lang="hu-HU"/>
               <a:t>Ötödik szint</a:t>
             </a:r>
             <a:endParaRPr lang="en-US" dirty="0"/>
@@ -6374,7 +6374,7 @@
           <a:p>
             <a:fld id="{53086D93-FCAC-47E0-A2EE-787E62CA814C}" type="datetimeFigureOut">
               <a:rPr lang="en-US" dirty="0"/>
-              <a:t>9/21/2022</a:t>
+              <a:t>9/28/2022</a:t>
             </a:fld>
             <a:endParaRPr lang="en-US" dirty="0"/>
           </a:p>
@@ -7256,7 +7256,7 @@
           <a:lstStyle/>
           <a:p>
             <a:r>
-              <a:rPr lang="hu-HU" smtClean="0"/>
+              <a:rPr lang="hu-HU"/>
               <a:t>Mintacím szerkesztése</a:t>
             </a:r>
             <a:endParaRPr lang="en-US" dirty="0"/>
@@ -7285,35 +7285,35 @@
           <a:p>
             <a:pPr lvl="0"/>
             <a:r>
-              <a:rPr lang="hu-HU" smtClean="0"/>
+              <a:rPr lang="hu-HU"/>
               <a:t>Mintaszöveg szerkesztése</a:t>
             </a:r>
           </a:p>
           <a:p>
             <a:pPr lvl="1"/>
             <a:r>
-              <a:rPr lang="hu-HU" smtClean="0"/>
+              <a:rPr lang="hu-HU"/>
               <a:t>Második szint</a:t>
             </a:r>
           </a:p>
           <a:p>
             <a:pPr lvl="2"/>
             <a:r>
-              <a:rPr lang="hu-HU" smtClean="0"/>
+              <a:rPr lang="hu-HU"/>
               <a:t>Harmadik szint</a:t>
             </a:r>
           </a:p>
           <a:p>
             <a:pPr lvl="3"/>
             <a:r>
-              <a:rPr lang="hu-HU" smtClean="0"/>
+              <a:rPr lang="hu-HU"/>
               <a:t>Negyedik szint</a:t>
             </a:r>
           </a:p>
           <a:p>
             <a:pPr lvl="4"/>
             <a:r>
-              <a:rPr lang="hu-HU" smtClean="0"/>
+              <a:rPr lang="hu-HU"/>
               <a:t>Ötödik szint</a:t>
             </a:r>
             <a:endParaRPr lang="en-US" dirty="0"/>
@@ -7342,7 +7342,7 @@
           <a:p>
             <a:fld id="{CDA879A6-0FD0-4734-A311-86BFCA472E6E}" type="datetimeFigureOut">
               <a:rPr lang="en-US" dirty="0"/>
-              <a:t>9/21/2022</a:t>
+              <a:t>9/28/2022</a:t>
             </a:fld>
             <a:endParaRPr lang="en-US" dirty="0"/>
           </a:p>
@@ -7468,7 +7468,7 @@
           <a:lstStyle/>
           <a:p>
             <a:r>
-              <a:rPr lang="hu-HU" smtClean="0"/>
+              <a:rPr lang="hu-HU"/>
               <a:t>Mintacím szerkesztése</a:t>
             </a:r>
             <a:endParaRPr lang="en-US" dirty="0"/>
@@ -7497,35 +7497,35 @@
           <a:p>
             <a:pPr lvl="0"/>
             <a:r>
-              <a:rPr lang="hu-HU" smtClean="0"/>
+              <a:rPr lang="hu-HU"/>
               <a:t>Mintaszöveg szerkesztése</a:t>
             </a:r>
           </a:p>
           <a:p>
             <a:pPr lvl="1"/>
             <a:r>
-              <a:rPr lang="hu-HU" smtClean="0"/>
+              <a:rPr lang="hu-HU"/>
               <a:t>Második szint</a:t>
             </a:r>
           </a:p>
           <a:p>
             <a:pPr lvl="2"/>
             <a:r>
-              <a:rPr lang="hu-HU" smtClean="0"/>
+              <a:rPr lang="hu-HU"/>
               <a:t>Harmadik szint</a:t>
             </a:r>
           </a:p>
           <a:p>
             <a:pPr lvl="3"/>
             <a:r>
-              <a:rPr lang="hu-HU" smtClean="0"/>
+              <a:rPr lang="hu-HU"/>
               <a:t>Negyedik szint</a:t>
             </a:r>
           </a:p>
           <a:p>
             <a:pPr lvl="4"/>
             <a:r>
-              <a:rPr lang="hu-HU" smtClean="0"/>
+              <a:rPr lang="hu-HU"/>
               <a:t>Ötödik szint</a:t>
             </a:r>
             <a:endParaRPr lang="en-US" dirty="0"/>
@@ -7549,7 +7549,7 @@
           <a:p>
             <a:fld id="{19C9CA7B-DFD4-44B5-8C60-D14B8CD1FB59}" type="datetimeFigureOut">
               <a:rPr lang="en-US" dirty="0"/>
-              <a:t>9/21/2022</a:t>
+              <a:t>9/28/2022</a:t>
             </a:fld>
             <a:endParaRPr lang="en-US" dirty="0"/>
           </a:p>
@@ -8435,7 +8435,7 @@
           </a:lstStyle>
           <a:p>
             <a:r>
-              <a:rPr lang="hu-HU" smtClean="0"/>
+              <a:rPr lang="hu-HU"/>
               <a:t>Mintacím szerkesztése</a:t>
             </a:r>
             <a:endParaRPr lang="en-US" dirty="0"/>
@@ -8556,7 +8556,7 @@
           <a:p>
             <a:pPr lvl="0"/>
             <a:r>
-              <a:rPr lang="hu-HU" smtClean="0"/>
+              <a:rPr lang="hu-HU"/>
               <a:t>Mintaszöveg szerkesztése</a:t>
             </a:r>
           </a:p>
@@ -8579,7 +8579,7 @@
           <a:p>
             <a:fld id="{F34E6425-0181-43F2-84FC-787E803FD2F8}" type="datetimeFigureOut">
               <a:rPr lang="en-US" dirty="0"/>
-              <a:t>9/21/2022</a:t>
+              <a:t>9/28/2022</a:t>
             </a:fld>
             <a:endParaRPr lang="en-US" dirty="0"/>
           </a:p>
@@ -8705,7 +8705,7 @@
           <a:lstStyle/>
           <a:p>
             <a:r>
-              <a:rPr lang="hu-HU" smtClean="0"/>
+              <a:rPr lang="hu-HU"/>
               <a:t>Mintacím szerkesztése</a:t>
             </a:r>
             <a:endParaRPr lang="en-US" dirty="0"/>
@@ -8736,35 +8736,35 @@
           <a:p>
             <a:pPr lvl="0"/>
             <a:r>
-              <a:rPr lang="hu-HU" smtClean="0"/>
+              <a:rPr lang="hu-HU"/>
               <a:t>Mintaszöveg szerkesztése</a:t>
             </a:r>
           </a:p>
           <a:p>
             <a:pPr lvl="1"/>
             <a:r>
-              <a:rPr lang="hu-HU" smtClean="0"/>
+              <a:rPr lang="hu-HU"/>
               <a:t>Második szint</a:t>
             </a:r>
           </a:p>
           <a:p>
             <a:pPr lvl="2"/>
             <a:r>
-              <a:rPr lang="hu-HU" smtClean="0"/>
+              <a:rPr lang="hu-HU"/>
               <a:t>Harmadik szint</a:t>
             </a:r>
           </a:p>
           <a:p>
             <a:pPr lvl="3"/>
             <a:r>
-              <a:rPr lang="hu-HU" smtClean="0"/>
+              <a:rPr lang="hu-HU"/>
               <a:t>Negyedik szint</a:t>
             </a:r>
           </a:p>
           <a:p>
             <a:pPr lvl="4"/>
             <a:r>
-              <a:rPr lang="hu-HU" smtClean="0"/>
+              <a:rPr lang="hu-HU"/>
               <a:t>Ötödik szint</a:t>
             </a:r>
             <a:endParaRPr lang="en-US" dirty="0"/>
@@ -8795,35 +8795,35 @@
           <a:p>
             <a:pPr lvl="0"/>
             <a:r>
-              <a:rPr lang="hu-HU" smtClean="0"/>
+              <a:rPr lang="hu-HU"/>
               <a:t>Mintaszöveg szerkesztése</a:t>
             </a:r>
           </a:p>
           <a:p>
             <a:pPr lvl="1"/>
             <a:r>
-              <a:rPr lang="hu-HU" smtClean="0"/>
+              <a:rPr lang="hu-HU"/>
               <a:t>Második szint</a:t>
             </a:r>
           </a:p>
           <a:p>
             <a:pPr lvl="2"/>
             <a:r>
-              <a:rPr lang="hu-HU" smtClean="0"/>
+              <a:rPr lang="hu-HU"/>
               <a:t>Harmadik szint</a:t>
             </a:r>
           </a:p>
           <a:p>
             <a:pPr lvl="3"/>
             <a:r>
-              <a:rPr lang="hu-HU" smtClean="0"/>
+              <a:rPr lang="hu-HU"/>
               <a:t>Negyedik szint</a:t>
             </a:r>
           </a:p>
           <a:p>
             <a:pPr lvl="4"/>
             <a:r>
-              <a:rPr lang="hu-HU" smtClean="0"/>
+              <a:rPr lang="hu-HU"/>
               <a:t>Ötödik szint</a:t>
             </a:r>
             <a:endParaRPr lang="en-US" dirty="0"/>
@@ -8847,7 +8847,7 @@
           <a:p>
             <a:fld id="{3BDB8791-F1B0-41E7-B7FD-A781E65C4266}" type="datetimeFigureOut">
               <a:rPr lang="en-US" dirty="0"/>
-              <a:t>9/21/2022</a:t>
+              <a:t>9/28/2022</a:t>
             </a:fld>
             <a:endParaRPr lang="en-US" dirty="0"/>
           </a:p>
@@ -8941,7 +8941,7 @@
           </a:lstStyle>
           <a:p>
             <a:r>
-              <a:rPr lang="hu-HU" smtClean="0"/>
+              <a:rPr lang="hu-HU"/>
               <a:t>Mintacím szerkesztése</a:t>
             </a:r>
             <a:endParaRPr lang="en-US" dirty="0"/>
@@ -9013,7 +9013,7 @@
           <a:p>
             <a:pPr lvl="0"/>
             <a:r>
-              <a:rPr lang="hu-HU" smtClean="0"/>
+              <a:rPr lang="hu-HU"/>
               <a:t>Mintaszöveg szerkesztése</a:t>
             </a:r>
           </a:p>
@@ -9043,35 +9043,35 @@
           <a:p>
             <a:pPr lvl="0"/>
             <a:r>
-              <a:rPr lang="hu-HU" smtClean="0"/>
+              <a:rPr lang="hu-HU"/>
               <a:t>Mintaszöveg szerkesztése</a:t>
             </a:r>
           </a:p>
           <a:p>
             <a:pPr lvl="1"/>
             <a:r>
-              <a:rPr lang="hu-HU" smtClean="0"/>
+              <a:rPr lang="hu-HU"/>
               <a:t>Második szint</a:t>
             </a:r>
           </a:p>
           <a:p>
             <a:pPr lvl="2"/>
             <a:r>
-              <a:rPr lang="hu-HU" smtClean="0"/>
+              <a:rPr lang="hu-HU"/>
               <a:t>Harmadik szint</a:t>
             </a:r>
           </a:p>
           <a:p>
             <a:pPr lvl="3"/>
             <a:r>
-              <a:rPr lang="hu-HU" smtClean="0"/>
+              <a:rPr lang="hu-HU"/>
               <a:t>Negyedik szint</a:t>
             </a:r>
           </a:p>
           <a:p>
             <a:pPr lvl="4"/>
             <a:r>
-              <a:rPr lang="hu-HU" smtClean="0"/>
+              <a:rPr lang="hu-HU"/>
               <a:t>Ötödik szint</a:t>
             </a:r>
             <a:endParaRPr lang="en-US" dirty="0"/>
@@ -9143,7 +9143,7 @@
           <a:p>
             <a:pPr lvl="0"/>
             <a:r>
-              <a:rPr lang="hu-HU" smtClean="0"/>
+              <a:rPr lang="hu-HU"/>
               <a:t>Mintaszöveg szerkesztése</a:t>
             </a:r>
           </a:p>
@@ -9201,35 +9201,35 @@
           <a:p>
             <a:pPr lvl="0"/>
             <a:r>
-              <a:rPr lang="hu-HU" smtClean="0"/>
+              <a:rPr lang="hu-HU"/>
               <a:t>Mintaszöveg szerkesztése</a:t>
             </a:r>
           </a:p>
           <a:p>
             <a:pPr lvl="1"/>
             <a:r>
-              <a:rPr lang="hu-HU" smtClean="0"/>
+              <a:rPr lang="hu-HU"/>
               <a:t>Második szint</a:t>
             </a:r>
           </a:p>
           <a:p>
             <a:pPr lvl="2"/>
             <a:r>
-              <a:rPr lang="hu-HU" smtClean="0"/>
+              <a:rPr lang="hu-HU"/>
               <a:t>Harmadik szint</a:t>
             </a:r>
           </a:p>
           <a:p>
             <a:pPr lvl="3"/>
             <a:r>
-              <a:rPr lang="hu-HU" smtClean="0"/>
+              <a:rPr lang="hu-HU"/>
               <a:t>Negyedik szint</a:t>
             </a:r>
           </a:p>
           <a:p>
             <a:pPr lvl="4"/>
             <a:r>
-              <a:rPr lang="hu-HU" smtClean="0"/>
+              <a:rPr lang="hu-HU"/>
               <a:t>Ötödik szint</a:t>
             </a:r>
             <a:endParaRPr lang="en-US" dirty="0"/>
@@ -9253,7 +9253,7 @@
           <a:p>
             <a:fld id="{5FDD63B2-E120-4ED8-B27B-C685F510A5FE}" type="datetimeFigureOut">
               <a:rPr lang="en-US" dirty="0"/>
-              <a:t>9/21/2022</a:t>
+              <a:t>9/28/2022</a:t>
             </a:fld>
             <a:endParaRPr lang="en-US" dirty="0"/>
           </a:p>
@@ -9352,7 +9352,7 @@
           </a:lstStyle>
           <a:p>
             <a:r>
-              <a:rPr lang="hu-HU" smtClean="0"/>
+              <a:rPr lang="hu-HU"/>
               <a:t>Mintacím szerkesztése</a:t>
             </a:r>
             <a:endParaRPr lang="en-US" dirty="0"/>
@@ -9376,7 +9376,7 @@
           <a:p>
             <a:fld id="{7AA18ACC-A947-437B-A130-35BD54FDF1E9}" type="datetimeFigureOut">
               <a:rPr lang="en-US" dirty="0"/>
-              <a:t>9/21/2022</a:t>
+              <a:t>9/28/2022</a:t>
             </a:fld>
             <a:endParaRPr lang="en-US" dirty="0"/>
           </a:p>
@@ -9467,7 +9467,7 @@
           <a:p>
             <a:fld id="{7C8D7E02-BCB8-4D50-A234-369438C08659}" type="datetimeFigureOut">
               <a:rPr lang="en-US" dirty="0"/>
-              <a:t>9/21/2022</a:t>
+              <a:t>9/28/2022</a:t>
             </a:fld>
             <a:endParaRPr lang="en-US" dirty="0"/>
           </a:p>
@@ -10389,7 +10389,7 @@
           </a:lstStyle>
           <a:p>
             <a:r>
-              <a:rPr lang="hu-HU" smtClean="0"/>
+              <a:rPr lang="hu-HU"/>
               <a:t>Mintacím szerkesztése</a:t>
             </a:r>
             <a:endParaRPr lang="en-US" dirty="0"/>
@@ -10420,35 +10420,35 @@
           <a:p>
             <a:pPr lvl="0"/>
             <a:r>
-              <a:rPr lang="hu-HU" smtClean="0"/>
+              <a:rPr lang="hu-HU"/>
               <a:t>Mintaszöveg szerkesztése</a:t>
             </a:r>
           </a:p>
           <a:p>
             <a:pPr lvl="1"/>
             <a:r>
-              <a:rPr lang="hu-HU" smtClean="0"/>
+              <a:rPr lang="hu-HU"/>
               <a:t>Második szint</a:t>
             </a:r>
           </a:p>
           <a:p>
             <a:pPr lvl="2"/>
             <a:r>
-              <a:rPr lang="hu-HU" smtClean="0"/>
+              <a:rPr lang="hu-HU"/>
               <a:t>Harmadik szint</a:t>
             </a:r>
           </a:p>
           <a:p>
             <a:pPr lvl="3"/>
             <a:r>
-              <a:rPr lang="hu-HU" smtClean="0"/>
+              <a:rPr lang="hu-HU"/>
               <a:t>Negyedik szint</a:t>
             </a:r>
           </a:p>
           <a:p>
             <a:pPr lvl="4"/>
             <a:r>
-              <a:rPr lang="hu-HU" smtClean="0"/>
+              <a:rPr lang="hu-HU"/>
               <a:t>Ötödik szint</a:t>
             </a:r>
             <a:endParaRPr lang="en-US" dirty="0"/>
@@ -10521,7 +10521,7 @@
           <a:p>
             <a:pPr lvl="0"/>
             <a:r>
-              <a:rPr lang="hu-HU" smtClean="0"/>
+              <a:rPr lang="hu-HU"/>
               <a:t>Mintaszöveg szerkesztése</a:t>
             </a:r>
           </a:p>
@@ -10544,7 +10544,7 @@
           <a:p>
             <a:fld id="{76E86A4C-8E40-4F87-A4F0-01A0687C5742}" type="datetimeFigureOut">
               <a:rPr lang="en-US" dirty="0"/>
-              <a:t>9/21/2022</a:t>
+              <a:t>9/28/2022</a:t>
             </a:fld>
             <a:endParaRPr lang="en-US" dirty="0"/>
           </a:p>
@@ -11468,7 +11468,7 @@
           </a:lstStyle>
           <a:p>
             <a:r>
-              <a:rPr lang="hu-HU" smtClean="0"/>
+              <a:rPr lang="hu-HU"/>
               <a:t>Mintacím szerkesztése</a:t>
             </a:r>
             <a:endParaRPr lang="en-US" dirty="0"/>
@@ -11550,7 +11550,7 @@
               <a:buNone/>
             </a:pPr>
             <a:r>
-              <a:rPr lang="hu-HU" smtClean="0"/>
+              <a:rPr lang="hu-HU"/>
               <a:t>Kép beszúrásához kattintson az ikonra</a:t>
             </a:r>
             <a:endParaRPr lang="en-US" dirty="0"/>
@@ -11625,7 +11625,7 @@
           <a:p>
             <a:pPr lvl="0"/>
             <a:r>
-              <a:rPr lang="hu-HU" smtClean="0"/>
+              <a:rPr lang="hu-HU"/>
               <a:t>Mintaszöveg szerkesztése</a:t>
             </a:r>
           </a:p>
@@ -11648,7 +11648,7 @@
           <a:p>
             <a:fld id="{35E72C73-2D91-4E12-BA25-F0AA0C03599B}" type="datetimeFigureOut">
               <a:rPr lang="en-US" dirty="0"/>
-              <a:t>9/21/2022</a:t>
+              <a:t>9/28/2022</a:t>
             </a:fld>
             <a:endParaRPr lang="en-US" dirty="0"/>
           </a:p>
@@ -12539,7 +12539,7 @@
           <a:lstStyle/>
           <a:p>
             <a:r>
-              <a:rPr lang="hu-HU" smtClean="0"/>
+              <a:rPr lang="hu-HU"/>
               <a:t>Mintacím szerkesztése</a:t>
             </a:r>
             <a:endParaRPr lang="en-US" dirty="0"/>
@@ -12573,35 +12573,35 @@
           <a:p>
             <a:pPr lvl="0"/>
             <a:r>
-              <a:rPr lang="hu-HU" smtClean="0"/>
+              <a:rPr lang="hu-HU"/>
               <a:t>Mintaszöveg szerkesztése</a:t>
             </a:r>
           </a:p>
           <a:p>
             <a:pPr lvl="1"/>
             <a:r>
-              <a:rPr lang="hu-HU" smtClean="0"/>
+              <a:rPr lang="hu-HU"/>
               <a:t>Második szint</a:t>
             </a:r>
           </a:p>
           <a:p>
             <a:pPr lvl="2"/>
             <a:r>
-              <a:rPr lang="hu-HU" smtClean="0"/>
+              <a:rPr lang="hu-HU"/>
               <a:t>Harmadik szint</a:t>
             </a:r>
           </a:p>
           <a:p>
             <a:pPr lvl="3"/>
             <a:r>
-              <a:rPr lang="hu-HU" smtClean="0"/>
+              <a:rPr lang="hu-HU"/>
               <a:t>Negyedik szint</a:t>
             </a:r>
           </a:p>
           <a:p>
             <a:pPr lvl="4"/>
             <a:r>
-              <a:rPr lang="hu-HU" smtClean="0"/>
+              <a:rPr lang="hu-HU"/>
               <a:t>Ötödik szint</a:t>
             </a:r>
             <a:endParaRPr lang="en-US" dirty="0"/>
@@ -12641,7 +12641,7 @@
           <a:p>
             <a:fld id="{2BE451C3-0FF4-47C4-B829-773ADF60F88C}" type="datetimeFigureOut">
               <a:rPr lang="en-US" dirty="0"/>
-              <a:t>9/21/2022</a:t>
+              <a:t>9/28/2022</a:t>
             </a:fld>
             <a:endParaRPr lang="en-US" dirty="0"/>
           </a:p>
@@ -13219,14 +13219,11 @@
           <a:p>
             <a:pPr algn="ctr"/>
             <a:r>
-              <a:rPr lang="hu-HU" dirty="0" smtClean="0">
+              <a:rPr lang="hu-HU" dirty="0">
                 <a:latin typeface="Arial Black" panose="020B0A04020102020204" pitchFamily="34" charset="0"/>
               </a:rPr>
               <a:t>Hálózatok</a:t>
             </a:r>
-            <a:endParaRPr lang="hu-HU" dirty="0">
-              <a:latin typeface="Arial Black" panose="020B0A04020102020204" pitchFamily="34" charset="0"/>
-            </a:endParaRPr>
           </a:p>
         </p:txBody>
       </p:sp>
@@ -13251,14 +13248,14 @@
           <a:lstStyle/>
           <a:p>
             <a:r>
-              <a:rPr lang="hu-HU" dirty="0" smtClean="0"/>
+              <a:rPr lang="hu-HU" dirty="0"/>
               <a:t>Készítette :Terdik </a:t>
             </a:r>
             <a:r>
-              <a:rPr lang="hu-HU" dirty="0" err="1" smtClean="0"/>
+              <a:rPr lang="hu-HU" dirty="0" err="1"/>
               <a:t>zalán</a:t>
             </a:r>
-            <a:endParaRPr lang="hu-HU" dirty="0" smtClean="0"/>
+            <a:endParaRPr lang="hu-HU" dirty="0"/>
           </a:p>
           <a:p>
             <a:endParaRPr lang="hu-HU" dirty="0"/>
@@ -13278,13 +13275,6 @@
   <p:transition spd="slow">
     <p:push dir="u"/>
   </p:transition>
-  <p:timing>
-    <p:tnLst>
-      <p:par>
-        <p:cTn id="1" dur="indefinite" restart="never" nodeType="tmRoot"/>
-      </p:par>
-    </p:tnLst>
-  </p:timing>
 </p:sld>
 </file>
 
@@ -13321,10 +13311,9 @@
           <a:lstStyle/>
           <a:p>
             <a:r>
-              <a:rPr lang="hu-HU" dirty="0" smtClean="0"/>
+              <a:rPr lang="hu-HU" dirty="0"/>
               <a:t>Hálózattípusok </a:t>
             </a:r>
-            <a:endParaRPr lang="hu-HU" dirty="0"/>
           </a:p>
         </p:txBody>
       </p:sp>
@@ -13351,7 +13340,7 @@
           <a:lstStyle/>
           <a:p>
             <a:r>
-              <a:rPr lang="hu-HU" sz="2800" dirty="0" smtClean="0"/>
+              <a:rPr lang="hu-HU" sz="2800" dirty="0"/>
               <a:t>Számítógép-hálózat</a:t>
             </a:r>
           </a:p>
@@ -13361,11 +13350,11 @@
               <a:t>H</a:t>
             </a:r>
             <a:r>
-              <a:rPr lang="en-US" sz="2800" dirty="0" err="1" smtClean="0"/>
+              <a:rPr lang="en-US" sz="2800" dirty="0" err="1"/>
               <a:t>elyi</a:t>
             </a:r>
             <a:r>
-              <a:rPr lang="en-US" sz="2800" dirty="0" smtClean="0"/>
+              <a:rPr lang="en-US" sz="2800" dirty="0"/>
               <a:t> </a:t>
             </a:r>
             <a:r>
@@ -13376,7 +13365,7 @@
               <a:rPr lang="en-US" sz="2800" dirty="0"/>
               <a:t> (LAN = local area network) </a:t>
             </a:r>
-            <a:endParaRPr lang="hu-HU" sz="2800" dirty="0" smtClean="0"/>
+            <a:endParaRPr lang="hu-HU" sz="2800" dirty="0"/>
           </a:p>
           <a:p>
             <a:r>
@@ -13384,11 +13373,11 @@
               <a:t>T</a:t>
             </a:r>
             <a:r>
-              <a:rPr lang="en-US" sz="2800" dirty="0" err="1" smtClean="0"/>
+              <a:rPr lang="en-US" sz="2800" dirty="0" err="1"/>
               <a:t>ávolsági</a:t>
             </a:r>
             <a:r>
-              <a:rPr lang="en-US" sz="2800" dirty="0" smtClean="0"/>
+              <a:rPr lang="en-US" sz="2800" dirty="0"/>
               <a:t> </a:t>
             </a:r>
             <a:r>
@@ -13397,26 +13386,14 @@
             </a:r>
             <a:r>
               <a:rPr lang="en-US" sz="2800" dirty="0"/>
-              <a:t> (WAN = wide area </a:t>
-            </a:r>
-            <a:r>
-              <a:rPr lang="en-US" sz="2800" dirty="0" smtClean="0"/>
-              <a:t>network</a:t>
-            </a:r>
-            <a:endParaRPr lang="hu-HU" sz="2800" dirty="0" smtClean="0"/>
+              <a:t> (WAN = wide area network</a:t>
+            </a:r>
+            <a:endParaRPr lang="hu-HU" sz="2800" dirty="0"/>
           </a:p>
           <a:p>
             <a:r>
               <a:rPr lang="hu-HU" sz="2800" dirty="0"/>
-              <a:t>helyi és körzeti </a:t>
-            </a:r>
-            <a:r>
-              <a:rPr lang="hu-HU" sz="2800" dirty="0" smtClean="0"/>
-              <a:t>hálózatok </a:t>
-            </a:r>
-            <a:r>
-              <a:rPr lang="hu-HU" sz="2800" dirty="0"/>
-              <a:t>(MAN = </a:t>
+              <a:t>Helyi és körzeti hálózatok (MAN = </a:t>
             </a:r>
             <a:r>
               <a:rPr lang="hu-HU" sz="2800" dirty="0" err="1"/>
@@ -13442,7 +13419,6 @@
               <a:rPr lang="hu-HU" sz="2800" dirty="0"/>
               <a:t>) </a:t>
             </a:r>
-            <a:endParaRPr lang="hu-HU" sz="2800" dirty="0" smtClean="0"/>
           </a:p>
           <a:p>
             <a:r>
@@ -13473,7 +13449,6 @@
               <a:rPr lang="hu-HU" sz="2800" dirty="0"/>
               <a:t> Network)</a:t>
             </a:r>
-            <a:endParaRPr lang="hu-HU" sz="2800" dirty="0" smtClean="0"/>
           </a:p>
         </p:txBody>
       </p:sp>
@@ -13490,13 +13465,6 @@
   <p:transition spd="slow">
     <p:split orient="vert"/>
   </p:transition>
-  <p:timing>
-    <p:tnLst>
-      <p:par>
-        <p:cTn id="1" dur="indefinite" restart="never" nodeType="tmRoot"/>
-      </p:par>
-    </p:tnLst>
-  </p:timing>
 </p:sld>
 </file>
 
@@ -13533,10 +13501,9 @@
           <a:lstStyle/>
           <a:p>
             <a:r>
-              <a:rPr lang="hu-HU" dirty="0" smtClean="0"/>
+              <a:rPr lang="hu-HU" dirty="0"/>
               <a:t>Számítógép-hálózat</a:t>
             </a:r>
-            <a:endParaRPr lang="hu-HU" dirty="0"/>
           </a:p>
         </p:txBody>
       </p:sp>
@@ -13565,82 +13532,46 @@
             <a:pPr marL="0" indent="0">
               <a:buNone/>
             </a:pPr>
-            <a:endParaRPr lang="hu-HU" dirty="0" smtClean="0"/>
-          </a:p>
-          <a:p>
-            <a:r>
-              <a:rPr lang="hu-HU" sz="2800" dirty="0" smtClean="0"/>
+            <a:endParaRPr lang="hu-HU" dirty="0"/>
+          </a:p>
+          <a:p>
+            <a:r>
+              <a:rPr lang="hu-HU" sz="2800" dirty="0"/>
               <a:t>A számítógépek egymás közötti kommunikációját biztosítja.</a:t>
             </a:r>
           </a:p>
           <a:p>
             <a:r>
-              <a:rPr lang="hu-HU" sz="2800" dirty="0" smtClean="0"/>
+              <a:rPr lang="hu-HU" sz="2800" dirty="0"/>
               <a:t>A számítógépek információszerzéshez digitális összeköttetéseken </a:t>
             </a:r>
             <a:r>
-              <a:rPr lang="hu-HU" sz="2800" dirty="0" err="1" smtClean="0"/>
+              <a:rPr lang="hu-HU" sz="2800" dirty="0" err="1"/>
               <a:t>kerszetül</a:t>
             </a:r>
             <a:r>
-              <a:rPr lang="hu-HU" sz="2800" dirty="0" smtClean="0"/>
+              <a:rPr lang="hu-HU" sz="2800" dirty="0"/>
               <a:t> közös kommunikációs </a:t>
             </a:r>
             <a:r>
-              <a:rPr lang="hu-HU" sz="2800" dirty="0" err="1" smtClean="0"/>
-              <a:t>protollokat</a:t>
-            </a:r>
-            <a:r>
-              <a:rPr lang="hu-HU" sz="2800" dirty="0" smtClean="0"/>
+              <a:rPr lang="hu-HU" sz="2800" dirty="0" err="1"/>
+              <a:t>protokolokat</a:t>
+            </a:r>
+            <a:r>
+              <a:rPr lang="hu-HU" sz="2800" dirty="0"/>
               <a:t> használnak.</a:t>
             </a:r>
           </a:p>
           <a:p>
             <a:r>
-              <a:rPr lang="hu-HU" sz="2800" dirty="0" smtClean="0"/>
-              <a:t> Ezek </a:t>
-            </a:r>
-            <a:r>
               <a:rPr lang="hu-HU" sz="2800" dirty="0"/>
-              <a:t>az kapcsolódások különböző </a:t>
-            </a:r>
-            <a:r>
-              <a:rPr lang="hu-HU" sz="2800" dirty="0" smtClean="0"/>
-              <a:t>távközlésii</a:t>
-            </a:r>
+              <a:t> Ezek az kapcsolódások különböző távközlésii technológiákból épülnek fel.</a:t>
+            </a:r>
+          </a:p>
+          <a:p>
             <a:r>
               <a:rPr lang="hu-HU" sz="2800" dirty="0"/>
-              <a:t> technológiákból épülnek </a:t>
-            </a:r>
-            <a:r>
-              <a:rPr lang="hu-HU" sz="2800" dirty="0" smtClean="0"/>
-              <a:t>fel.</a:t>
-            </a:r>
-          </a:p>
-          <a:p>
-            <a:r>
-              <a:rPr lang="hu-HU" sz="2800" dirty="0"/>
-              <a:t>A</a:t>
-            </a:r>
-            <a:r>
-              <a:rPr lang="hu-HU" sz="2800" dirty="0" smtClean="0"/>
-              <a:t>melyek </a:t>
-            </a:r>
-            <a:r>
-              <a:rPr lang="hu-HU" sz="2800" dirty="0"/>
-              <a:t>fizikailag lehetnek vezetékes, azon belül réz vagy </a:t>
-            </a:r>
-            <a:r>
-              <a:rPr lang="hu-HU" sz="2800" dirty="0" smtClean="0"/>
-              <a:t>optikai</a:t>
-            </a:r>
-            <a:r>
-              <a:rPr lang="hu-HU" sz="2800" dirty="0"/>
-              <a:t> </a:t>
-            </a:r>
-            <a:r>
-              <a:rPr lang="hu-HU" sz="2800" dirty="0" smtClean="0"/>
-              <a:t>kábeles</a:t>
+              <a:t>Amelyek fizikailag lehetnek vezetékes, azon belül réz vagy optikai kábeles</a:t>
             </a:r>
           </a:p>
           <a:p>
@@ -13688,13 +13619,6 @@
   <p:transition spd="slow">
     <p:circle/>
   </p:transition>
-  <p:timing>
-    <p:tnLst>
-      <p:par>
-        <p:cTn id="1" dur="indefinite" restart="never" nodeType="tmRoot"/>
-      </p:par>
-    </p:tnLst>
-  </p:timing>
 </p:sld>
 </file>
 
@@ -13731,10 +13655,9 @@
           <a:lstStyle/>
           <a:p>
             <a:r>
-              <a:rPr lang="hu-HU" dirty="0" smtClean="0"/>
+              <a:rPr lang="hu-HU" dirty="0"/>
               <a:t>Számítógép-hálózat szerverek</a:t>
             </a:r>
-            <a:endParaRPr lang="hu-HU" dirty="0"/>
           </a:p>
         </p:txBody>
       </p:sp>
@@ -13756,28 +13679,27 @@
           <a:lstStyle/>
           <a:p>
             <a:r>
-              <a:rPr lang="hu-HU" sz="2800" dirty="0" smtClean="0"/>
+              <a:rPr lang="hu-HU" sz="2800" dirty="0"/>
               <a:t>modemek</a:t>
             </a:r>
           </a:p>
           <a:p>
             <a:r>
-              <a:rPr lang="hu-HU" sz="2800" dirty="0" err="1" smtClean="0"/>
+              <a:rPr lang="hu-HU" sz="2800" dirty="0" err="1"/>
               <a:t>routerek</a:t>
             </a:r>
             <a:r>
               <a:rPr lang="hu-HU" sz="2800" dirty="0"/>
               <a:t> </a:t>
             </a:r>
-            <a:endParaRPr lang="hu-HU" sz="2800" dirty="0" smtClean="0"/>
-          </a:p>
-          <a:p>
-            <a:r>
-              <a:rPr lang="hu-HU" sz="2800" dirty="0" err="1" smtClean="0"/>
+          </a:p>
+          <a:p>
+            <a:r>
+              <a:rPr lang="hu-HU" sz="2800" dirty="0" err="1"/>
               <a:t>switchek</a:t>
             </a:r>
             <a:r>
-              <a:rPr lang="hu-HU" sz="2800" dirty="0" smtClean="0"/>
+              <a:rPr lang="hu-HU" sz="2800" dirty="0"/>
               <a:t>,</a:t>
             </a:r>
           </a:p>
@@ -13802,13 +13724,6 @@
   <p:transition spd="slow">
     <p:randomBar dir="vert"/>
   </p:transition>
-  <p:timing>
-    <p:tnLst>
-      <p:par>
-        <p:cTn id="1" dur="indefinite" restart="never" nodeType="tmRoot"/>
-      </p:par>
-    </p:tnLst>
-  </p:timing>
 </p:sld>
 </file>
 
@@ -13850,12 +13765,8 @@
           <a:lstStyle/>
           <a:p>
             <a:r>
-              <a:rPr lang="hu-HU" dirty="0" smtClean="0"/>
-              <a:t>Helyi hálózat </a:t>
-            </a:r>
-            <a:r>
               <a:rPr lang="hu-HU" dirty="0"/>
-              <a:t> (LAN = local </a:t>
+              <a:t>Helyi hálózat  (LAN = local </a:t>
             </a:r>
             <a:r>
               <a:rPr lang="hu-HU" dirty="0" err="1"/>
@@ -13900,44 +13811,28 @@
           <a:p>
             <a:r>
               <a:rPr lang="hu-HU" sz="2800" dirty="0"/>
-              <a:t>kiterjedhet egy helyiségre, épületre vagy </a:t>
-            </a:r>
-            <a:r>
-              <a:rPr lang="hu-HU" sz="2800" dirty="0" smtClean="0"/>
-              <a:t>telephelyre</a:t>
-            </a:r>
-          </a:p>
-          <a:p>
-            <a:r>
-              <a:rPr lang="hu-HU" sz="2800" dirty="0" smtClean="0"/>
-              <a:t>nagyobb </a:t>
-            </a:r>
+              <a:t>kiterjedhet egy helyiségre, épületre vagy telephelyre</a:t>
+            </a:r>
+          </a:p>
+          <a:p>
             <a:r>
               <a:rPr lang="hu-HU" sz="2800" dirty="0"/>
-              <a:t>vállalat adott földrajzi körzetben fekvő telephelyeit, nemritkán a telephelyek helyi hálózatait köti össze</a:t>
-            </a:r>
-            <a:r>
-              <a:rPr lang="hu-HU" sz="2800" dirty="0" smtClean="0"/>
-              <a:t>.</a:t>
+              <a:t>nagyobb vállalat adott földrajzi körzetben fekvő telephelyeit, nemritkán a telephelyek helyi hálózatait köti össze.</a:t>
             </a:r>
           </a:p>
           <a:p>
             <a:r>
               <a:rPr lang="hu-HU" sz="2800" dirty="0"/>
-              <a:t> 5 km </a:t>
-            </a:r>
-            <a:r>
-              <a:rPr lang="hu-HU" sz="2800" dirty="0" smtClean="0"/>
-              <a:t>sugarú</a:t>
-            </a:r>
-          </a:p>
-          <a:p>
-            <a:r>
-              <a:rPr lang="hu-HU" sz="2800" dirty="0" smtClean="0"/>
+              <a:t> 5 km sugarú</a:t>
+            </a:r>
+          </a:p>
+          <a:p>
+            <a:r>
+              <a:rPr lang="hu-HU" sz="2800" dirty="0"/>
               <a:t>S</a:t>
             </a:r>
             <a:r>
-              <a:rPr lang="en-US" sz="2800" dirty="0" err="1" smtClean="0"/>
+              <a:rPr lang="en-US" sz="2800" dirty="0" err="1"/>
               <a:t>ebességei</a:t>
             </a:r>
             <a:r>
@@ -14023,13 +13918,6 @@
   <p:transition spd="slow">
     <p:fade/>
   </p:transition>
-  <p:timing>
-    <p:tnLst>
-      <p:par>
-        <p:cTn id="1" dur="indefinite" restart="never" nodeType="tmRoot"/>
-      </p:par>
-    </p:tnLst>
-  </p:timing>
 </p:sld>
 </file>
 
@@ -14088,19 +13976,11 @@
             </a:r>
             <a:r>
               <a:rPr lang="en-US" dirty="0"/>
-              <a:t> (WAN = wide area </a:t>
-            </a:r>
-            <a:r>
-              <a:rPr lang="en-US" dirty="0" smtClean="0"/>
-              <a:t>network</a:t>
-            </a:r>
-            <a:r>
-              <a:rPr lang="hu-HU" dirty="0" smtClean="0"/>
+              <a:t> (WAN = wide area network</a:t>
+            </a:r>
+            <a:r>
+              <a:rPr lang="hu-HU" dirty="0"/>
               <a:t>´)</a:t>
-            </a:r>
-            <a:r>
-              <a:rPr lang="hu-HU" dirty="0"/>
-              <a:t/>
             </a:r>
             <a:br>
               <a:rPr lang="hu-HU" dirty="0"/>
@@ -14132,33 +14012,21 @@
           <a:lstStyle/>
           <a:p>
             <a:r>
-              <a:rPr lang="hu-HU" sz="2800" dirty="0" err="1" smtClean="0"/>
+              <a:rPr lang="hu-HU" sz="2800" dirty="0" err="1"/>
               <a:t>Országnyi</a:t>
             </a:r>
-            <a:endParaRPr lang="hu-HU" sz="2800" dirty="0" smtClean="0"/>
-          </a:p>
-          <a:p>
-            <a:r>
-              <a:rPr lang="hu-HU" sz="2800" dirty="0" smtClean="0"/>
+            <a:endParaRPr lang="hu-HU" sz="2800" dirty="0"/>
+          </a:p>
+          <a:p>
+            <a:r>
+              <a:rPr lang="hu-HU" sz="2800" dirty="0"/>
               <a:t>Földrésznyi</a:t>
             </a:r>
           </a:p>
           <a:p>
             <a:r>
               <a:rPr lang="hu-HU" sz="2800" dirty="0"/>
-              <a:t>S</a:t>
-            </a:r>
-            <a:r>
-              <a:rPr lang="hu-HU" sz="2800" dirty="0" smtClean="0"/>
-              <a:t>őt </a:t>
-            </a:r>
-            <a:r>
-              <a:rPr lang="hu-HU" sz="2800" dirty="0"/>
-              <a:t>akár az egész világra kiterjedő </a:t>
-            </a:r>
-            <a:r>
-              <a:rPr lang="hu-HU" sz="2800" dirty="0" smtClean="0"/>
-              <a:t>lehet</a:t>
+              <a:t>Sőt akár az egész világra kiterjedő lehet</a:t>
             </a:r>
           </a:p>
           <a:p>
@@ -14212,13 +14080,6 @@
       </p:transition>
     </mc:Fallback>
   </mc:AlternateContent>
-  <p:timing>
-    <p:tnLst>
-      <p:par>
-        <p:cTn id="1" dur="indefinite" restart="never" nodeType="tmRoot"/>
-      </p:par>
-    </p:tnLst>
-  </p:timing>
 </p:sld>
 </file>
 
@@ -14255,12 +14116,8 @@
           <a:lstStyle/>
           <a:p>
             <a:r>
-              <a:rPr lang="hu-HU" sz="4400" dirty="0" smtClean="0"/>
-              <a:t>Helyi </a:t>
-            </a:r>
-            <a:r>
               <a:rPr lang="hu-HU" sz="4400" dirty="0"/>
-              <a:t>és körzeti hálózatok (MAN = </a:t>
+              <a:t>Helyi és körzeti hálózatok (MAN = </a:t>
             </a:r>
             <a:r>
               <a:rPr lang="hu-HU" sz="4400" dirty="0" err="1"/>
@@ -14285,10 +14142,6 @@
             <a:r>
               <a:rPr lang="hu-HU" sz="4400" dirty="0"/>
               <a:t>) </a:t>
-            </a:r>
-            <a:r>
-              <a:rPr lang="hu-HU" dirty="0"/>
-              <a:t/>
             </a:r>
             <a:br>
               <a:rPr lang="hu-HU" dirty="0"/>
@@ -14320,41 +14173,27 @@
           <a:lstStyle/>
           <a:p>
             <a:r>
-              <a:rPr lang="hu-HU" sz="2800" dirty="0" smtClean="0"/>
+              <a:rPr lang="hu-HU" sz="2800" dirty="0"/>
               <a:t>Ide sorolhatók a nagyvárosi hálózatok </a:t>
             </a:r>
           </a:p>
           <a:p>
             <a:r>
-              <a:rPr lang="hu-HU" sz="2800" dirty="0" smtClean="0"/>
+              <a:rPr lang="hu-HU" sz="2800" dirty="0"/>
               <a:t>Jellemző a lefedett terület inkább a körzetre jellemző méretű</a:t>
             </a:r>
           </a:p>
           <a:p>
             <a:r>
-              <a:rPr lang="hu-HU" sz="2800" dirty="0" err="1" smtClean="0"/>
-              <a:t>Legtöbször</a:t>
-            </a:r>
-            <a:r>
-              <a:rPr lang="hu-HU" sz="2800" dirty="0" smtClean="0"/>
-              <a:t> vállalatok, </a:t>
-            </a:r>
-            <a:r>
-              <a:rPr lang="hu-HU" sz="2800" dirty="0" err="1" smtClean="0"/>
-              <a:t>intészmények</a:t>
-            </a:r>
-            <a:r>
-              <a:rPr lang="hu-HU" sz="2800" dirty="0" smtClean="0"/>
-              <a:t> tulajdonában vannak </a:t>
-            </a:r>
-            <a:endParaRPr lang="hu-HU" sz="2800" dirty="0" smtClean="0"/>
+              <a:rPr lang="hu-HU" sz="2800" dirty="0"/>
+              <a:t>Legtöbbször vállalatok, intézmények tulajdonában vannak </a:t>
+            </a:r>
           </a:p>
           <a:p>
             <a:r>
               <a:rPr lang="hu-HU" sz="2800" dirty="0"/>
               <a:t>Egy városi hálózatban a számítógépek egymástól 1-50 km-re lehetnek,</a:t>
             </a:r>
-            <a:endParaRPr lang="hu-HU" sz="2800" dirty="0" smtClean="0"/>
           </a:p>
         </p:txBody>
       </p:sp>
@@ -14404,13 +14243,6 @@
       </p:transition>
     </mc:Fallback>
   </mc:AlternateContent>
-  <p:timing>
-    <p:tnLst>
-      <p:par>
-        <p:cTn id="1" dur="indefinite" restart="never" nodeType="tmRoot"/>
-      </p:par>
-    </p:tnLst>
-  </p:timing>
 </p:sld>
 </file>
 
@@ -14466,7 +14298,6 @@
               <a:rPr lang="hu-HU" dirty="0"/>
               <a:t> Network)</a:t>
             </a:r>
-            <a:endParaRPr lang="hu-HU" dirty="0"/>
           </a:p>
         </p:txBody>
       </p:sp>
@@ -14496,33 +14327,17 @@
               <a:rPr lang="hu-HU" sz="2400" dirty="0"/>
               <a:t> PAN-ok olyan számítógépes hálózatok, amelyek emberekre vannak tervezve</a:t>
             </a:r>
-            <a:r>
-              <a:rPr lang="hu-HU" sz="2400" dirty="0" smtClean="0"/>
-              <a:t>,</a:t>
-            </a:r>
           </a:p>
           <a:p>
             <a:r>
               <a:rPr lang="hu-HU" sz="2400" dirty="0"/>
-              <a:t> hálózatban helyet kapott eszközök 10 méteren belül helyezkednek el egymáshoz képest</a:t>
-            </a:r>
-            <a:r>
-              <a:rPr lang="hu-HU" sz="2400" dirty="0" smtClean="0"/>
-              <a:t>.</a:t>
+              <a:t> hálózatban helyet kapott eszközök 10 méteren belül helyezkednek el egymáshoz képest.</a:t>
             </a:r>
           </a:p>
           <a:p>
             <a:r>
               <a:rPr lang="hu-HU" sz="2400" dirty="0"/>
-              <a:t>s</a:t>
-            </a:r>
-            <a:r>
-              <a:rPr lang="hu-HU" sz="2400" dirty="0" smtClean="0"/>
-              <a:t>zámítógéphez </a:t>
-            </a:r>
-            <a:r>
-              <a:rPr lang="hu-HU" sz="2400" dirty="0"/>
-              <a:t>kapcsolt </a:t>
+              <a:t>számítógéphez kapcsolt </a:t>
             </a:r>
             <a:r>
               <a:rPr lang="hu-HU" sz="2400" dirty="0" err="1"/>
@@ -14538,21 +14353,13 @@
             </a:r>
             <a:r>
               <a:rPr lang="hu-HU" sz="2400" dirty="0"/>
-              <a:t> </a:t>
-            </a:r>
-            <a:r>
-              <a:rPr lang="hu-HU" sz="2400" dirty="0" smtClean="0"/>
-              <a:t>készülék</a:t>
+              <a:t> készülék</a:t>
             </a:r>
           </a:p>
           <a:p>
             <a:r>
               <a:rPr lang="hu-HU" sz="2400" dirty="0"/>
-              <a:t>Sebessége: </a:t>
-            </a:r>
-            <a:r>
-              <a:rPr lang="hu-HU" sz="2400" dirty="0" smtClean="0"/>
-              <a:t>24Mbit/s </a:t>
+              <a:t>Sebessége: 24Mbit/s </a:t>
             </a:r>
             <a:r>
               <a:rPr lang="en-US" sz="2400" dirty="0" err="1"/>
@@ -14611,13 +14418,6 @@
   <p:transition spd="slow">
     <p:dissolve/>
   </p:transition>
-  <p:timing>
-    <p:tnLst>
-      <p:par>
-        <p:cTn id="1" dur="indefinite" restart="never" nodeType="tmRoot"/>
-      </p:par>
-    </p:tnLst>
-  </p:timing>
 </p:sld>
 </file>
 
@@ -14654,10 +14454,9 @@
           <a:lstStyle/>
           <a:p>
             <a:r>
-              <a:rPr lang="hu-HU" dirty="0" smtClean="0"/>
+              <a:rPr lang="hu-HU" dirty="0"/>
               <a:t>Források</a:t>
             </a:r>
-            <a:endParaRPr lang="hu-HU" dirty="0"/>
           </a:p>
         </p:txBody>
       </p:sp>
@@ -14684,63 +14483,39 @@
           <a:lstStyle/>
           <a:p>
             <a:r>
-              <a:rPr lang="hu-HU" dirty="0" err="1" smtClean="0">
+              <a:rPr lang="hu-HU" dirty="0" err="1">
                 <a:hlinkClick r:id="rId2"/>
               </a:rPr>
               <a:t>Hákózattípusok</a:t>
             </a:r>
-            <a:endParaRPr lang="hu-HU" dirty="0" smtClean="0"/>
+            <a:endParaRPr lang="hu-HU" dirty="0"/>
           </a:p>
           <a:p>
             <a:r>
               <a:rPr lang="hu-HU" dirty="0">
                 <a:hlinkClick r:id="rId3"/>
               </a:rPr>
-              <a:t>https://</a:t>
-            </a:r>
-            <a:r>
-              <a:rPr lang="hu-HU" dirty="0" smtClean="0">
-                <a:hlinkClick r:id="rId3"/>
-              </a:rPr>
-              <a:t>nagyzsolt.suli.hu/halozatok/</a:t>
+              <a:t>https://nagyzsolt.suli.hu/halozatok/</a:t>
             </a:r>
             <a:endParaRPr lang="hu-HU" dirty="0"/>
           </a:p>
           <a:p>
-            <a:r>
-              <a:rPr lang="hu-HU" dirty="0" smtClean="0">
-                <a:hlinkClick r:id="rId4"/>
-              </a:rPr>
-              <a:t>https</a:t>
-            </a:r>
             <a:r>
               <a:rPr lang="hu-HU" dirty="0">
                 <a:hlinkClick r:id="rId4"/>
               </a:rPr>
-              <a:t>://</a:t>
-            </a:r>
-            <a:r>
-              <a:rPr lang="hu-HU" dirty="0" smtClean="0">
-                <a:hlinkClick r:id="rId4"/>
-              </a:rPr>
-              <a:t>www.nkp.hu/tankonyv/informatika_8/lecke_01_002</a:t>
-            </a:r>
-            <a:endParaRPr lang="hu-HU" dirty="0" smtClean="0"/>
+              <a:t>https://www.nkp.hu/tankonyv/informatika_8/lecke_01_002</a:t>
+            </a:r>
+            <a:endParaRPr lang="hu-HU" dirty="0"/>
           </a:p>
           <a:p>
             <a:r>
               <a:rPr lang="hu-HU" dirty="0">
                 <a:hlinkClick r:id="rId5"/>
               </a:rPr>
-              <a:t>https://</a:t>
-            </a:r>
-            <a:r>
-              <a:rPr lang="hu-HU" dirty="0" smtClean="0">
-                <a:hlinkClick r:id="rId5"/>
-              </a:rPr>
-              <a:t>gloster.hu/megoldasok/halozati-megoldasok/halozati-infrastruktura-megoldasok/lan-halozati-megoldasok</a:t>
-            </a:r>
-            <a:endParaRPr lang="hu-HU" dirty="0" smtClean="0"/>
+              <a:t>https://gloster.hu/megoldasok/halozati-megoldasok/halozati-infrastruktura-megoldasok/lan-halozati-megoldasok</a:t>
+            </a:r>
+            <a:endParaRPr lang="hu-HU" dirty="0"/>
           </a:p>
           <a:p>
             <a:r>
@@ -14753,11 +14528,7 @@
             </a:r>
             <a:r>
               <a:rPr lang="hu-HU" dirty="0"/>
-              <a:t>=https%3A%2F%2Fsoftgeek.org%2Fwp-content%2Fuploads%2F2022%2F06%2F1654106062_122_Tipi-di-rete-di-computer-cose-LAN-MAN-e-WAN.png&amp;imgrefurl=https%3A%2F%2Fsoftgeek.org%2Fhu%2Fszamitogepes-halozatok-tipusai-mi-a-lan-man-es-wan&amp;tbnid=Efwe1DCCUNNueM&amp;vet=12ahUKEwi8vqeA5aD6AhUFPewKHcIDC2UQMygFegUIARDJAQ..</a:t>
-            </a:r>
-            <a:r>
-              <a:rPr lang="hu-HU" dirty="0" smtClean="0"/>
-              <a:t>i&amp;docid=42OdS47PV6umTM&amp;w=678&amp;h=700&amp;q=man%20h%C3%A1l%C3%B3zat&amp;ved=2ahUKEwi8vqeA5aD6AhUFPewKHcIDC2UQMygFegUIARDJAQ</a:t>
+              <a:t>=https%3A%2F%2Fsoftgeek.org%2Fwp-content%2Fuploads%2F2022%2F06%2F1654106062_122_Tipi-di-rete-di-computer-cose-LAN-MAN-e-WAN.png&amp;imgrefurl=https%3A%2F%2Fsoftgeek.org%2Fhu%2Fszamitogepes-halozatok-tipusai-mi-a-lan-man-es-wan&amp;tbnid=Efwe1DCCUNNueM&amp;vet=12ahUKEwi8vqeA5aD6AhUFPewKHcIDC2UQMygFegUIARDJAQ..i&amp;docid=42OdS47PV6umTM&amp;w=678&amp;h=700&amp;q=man%20h%C3%A1l%C3%B3zat&amp;ved=2ahUKEwi8vqeA5aD6AhUFPewKHcIDC2UQMygFegUIARDJAQ</a:t>
             </a:r>
           </a:p>
           <a:p>
@@ -14771,40 +14542,23 @@
             </a:r>
             <a:r>
               <a:rPr lang="hu-HU" dirty="0"/>
-              <a:t>=http%3A%2F%2Fmixat.hol.es%2Fdocuments%2Finformatika%2F6%2F6_1%2F6_1_3%2Fpictures%2Fpan_1.jpeg&amp;imgrefurl=http%3A%2F%2Fmixat.hol.es%2Fdocuments%2Finformatika%2F6%2F6_1%2F6_1_3%2F6_1_3.html&amp;tbnid=Hph2IQDd2N2xuM&amp;vet=12ahUKEwjR6ZnknqX6AhWQNOwKHY3ACEwQMygEegUIARDFAQ..</a:t>
-            </a:r>
-            <a:r>
-              <a:rPr lang="hu-HU" dirty="0" smtClean="0"/>
-              <a:t>i&amp;docid=gbStw3llAilWOM&amp;w=238&amp;h=194&amp;itg=1&amp;q=PAN%20h%C3%A1l%C3%B3zat&amp;ved=2ahUKEwjR6ZnknqX6AhWQNOwKHY3ACEwQMygEegUIARDFAQ</a:t>
-            </a:r>
-          </a:p>
-          <a:p>
-            <a:r>
-              <a:rPr lang="hu-HU" dirty="0" smtClean="0">
-                <a:hlinkClick r:id="rId6"/>
-              </a:rPr>
-              <a:t>https</a:t>
-            </a:r>
+              <a:t>=http%3A%2F%2Fmixat.hol.es%2Fdocuments%2Finformatika%2F6%2F6_1%2F6_1_3%2Fpictures%2Fpan_1.jpeg&amp;imgrefurl=http%3A%2F%2Fmixat.hol.es%2Fdocuments%2Finformatika%2F6%2F6_1%2F6_1_3%2F6_1_3.html&amp;tbnid=Hph2IQDd2N2xuM&amp;vet=12ahUKEwjR6ZnknqX6AhWQNOwKHY3ACEwQMygEegUIARDFAQ..i&amp;docid=gbStw3llAilWOM&amp;w=238&amp;h=194&amp;itg=1&amp;q=PAN%20h%C3%A1l%C3%B3zat&amp;ved=2ahUKEwjR6ZnknqX6AhWQNOwKHY3ACEwQMygEegUIARDFAQ</a:t>
+            </a:r>
+          </a:p>
+          <a:p>
             <a:r>
               <a:rPr lang="hu-HU" dirty="0">
                 <a:hlinkClick r:id="rId6"/>
               </a:rPr>
-              <a:t>://www.becube.hu/2019/02/16/pan-lan-man-wan-gan</a:t>
-            </a:r>
-            <a:r>
-              <a:rPr lang="hu-HU" dirty="0" smtClean="0">
-                <a:hlinkClick r:id="rId6"/>
-              </a:rPr>
-              <a:t>/</a:t>
-            </a:r>
-            <a:endParaRPr lang="hu-HU" dirty="0" smtClean="0"/>
-          </a:p>
-          <a:p>
-            <a:r>
-              <a:rPr lang="hu-HU" dirty="0" smtClean="0"/>
+              <a:t>https://www.becube.hu/2019/02/16/pan-lan-man-wan-gan/</a:t>
+            </a:r>
+            <a:endParaRPr lang="hu-HU" dirty="0"/>
+          </a:p>
+          <a:p>
+            <a:r>
+              <a:rPr lang="hu-HU" dirty="0"/>
               <a:t>Mi  a Hálózat ppt szakmai óráról </a:t>
             </a:r>
-            <a:endParaRPr lang="hu-HU" dirty="0"/>
           </a:p>
         </p:txBody>
       </p:sp>
@@ -14821,13 +14575,6 @@
   <p:transition spd="slow">
     <p:randomBar dir="vert"/>
   </p:transition>
-  <p:timing>
-    <p:tnLst>
-      <p:par>
-        <p:cTn id="1" dur="indefinite" restart="never" nodeType="tmRoot"/>
-      </p:par>
-    </p:tnLst>
-  </p:timing>
 </p:sld>
 </file>
 
